--- a/ama-2021/img/ama.pptx
+++ b/ama-2021/img/ama.pptx
@@ -104,6 +104,11 @@
       </a:defRPr>
     </a:lvl9pPr>
   </p:defaultTextStyle>
+  <p:extLst>
+    <p:ext uri="{EFAFB233-063F-42B5-8137-9DF3F51BA10A}">
+      <p15:sldGuideLst xmlns:p15="http://schemas.microsoft.com/office/powerpoint/2012/main"/>
+    </p:ext>
+  </p:extLst>
 </p:presentation>
 </file>
 
@@ -1602,6 +1607,753 @@
 </file>
 
 <file path=ppt/diagrams/colors3.xml><?xml version="1.0" encoding="utf-8"?>
+<dgm:colorsDef xmlns:dgm="http://schemas.openxmlformats.org/drawingml/2006/diagram" xmlns:a="http://schemas.openxmlformats.org/drawingml/2006/main" uniqueId="urn:microsoft.com/office/officeart/2005/8/colors/accent1_2">
+  <dgm:title val=""/>
+  <dgm:desc val=""/>
+  <dgm:catLst>
+    <dgm:cat type="accent1" pri="11200"/>
+  </dgm:catLst>
+  <dgm:styleLbl name="node0">
+    <dgm:fillClrLst meth="repeat">
+      <a:schemeClr val="accent1"/>
+    </dgm:fillClrLst>
+    <dgm:linClrLst meth="repeat">
+      <a:schemeClr val="lt1"/>
+    </dgm:linClrLst>
+    <dgm:effectClrLst/>
+    <dgm:txLinClrLst/>
+    <dgm:txFillClrLst/>
+    <dgm:txEffectClrLst/>
+  </dgm:styleLbl>
+  <dgm:styleLbl name="alignNode1">
+    <dgm:fillClrLst meth="repeat">
+      <a:schemeClr val="accent1"/>
+    </dgm:fillClrLst>
+    <dgm:linClrLst meth="repeat">
+      <a:schemeClr val="accent1"/>
+    </dgm:linClrLst>
+    <dgm:effectClrLst/>
+    <dgm:txLinClrLst/>
+    <dgm:txFillClrLst/>
+    <dgm:txEffectClrLst/>
+  </dgm:styleLbl>
+  <dgm:styleLbl name="node1">
+    <dgm:fillClrLst meth="repeat">
+      <a:schemeClr val="accent1"/>
+    </dgm:fillClrLst>
+    <dgm:linClrLst meth="repeat">
+      <a:schemeClr val="lt1"/>
+    </dgm:linClrLst>
+    <dgm:effectClrLst/>
+    <dgm:txLinClrLst/>
+    <dgm:txFillClrLst/>
+    <dgm:txEffectClrLst/>
+  </dgm:styleLbl>
+  <dgm:styleLbl name="lnNode1">
+    <dgm:fillClrLst meth="repeat">
+      <a:schemeClr val="accent1"/>
+    </dgm:fillClrLst>
+    <dgm:linClrLst meth="repeat">
+      <a:schemeClr val="lt1"/>
+    </dgm:linClrLst>
+    <dgm:effectClrLst/>
+    <dgm:txLinClrLst/>
+    <dgm:txFillClrLst/>
+    <dgm:txEffectClrLst/>
+  </dgm:styleLbl>
+  <dgm:styleLbl name="vennNode1">
+    <dgm:fillClrLst meth="repeat">
+      <a:schemeClr val="accent1">
+        <a:alpha val="50000"/>
+      </a:schemeClr>
+    </dgm:fillClrLst>
+    <dgm:linClrLst meth="repeat">
+      <a:schemeClr val="lt1"/>
+    </dgm:linClrLst>
+    <dgm:effectClrLst/>
+    <dgm:txLinClrLst/>
+    <dgm:txFillClrLst/>
+    <dgm:txEffectClrLst/>
+  </dgm:styleLbl>
+  <dgm:styleLbl name="node2">
+    <dgm:fillClrLst meth="repeat">
+      <a:schemeClr val="accent1"/>
+    </dgm:fillClrLst>
+    <dgm:linClrLst meth="repeat">
+      <a:schemeClr val="lt1"/>
+    </dgm:linClrLst>
+    <dgm:effectClrLst/>
+    <dgm:txLinClrLst/>
+    <dgm:txFillClrLst/>
+    <dgm:txEffectClrLst/>
+  </dgm:styleLbl>
+  <dgm:styleLbl name="node3">
+    <dgm:fillClrLst meth="repeat">
+      <a:schemeClr val="accent1"/>
+    </dgm:fillClrLst>
+    <dgm:linClrLst meth="repeat">
+      <a:schemeClr val="lt1"/>
+    </dgm:linClrLst>
+    <dgm:effectClrLst/>
+    <dgm:txLinClrLst/>
+    <dgm:txFillClrLst/>
+    <dgm:txEffectClrLst/>
+  </dgm:styleLbl>
+  <dgm:styleLbl name="node4">
+    <dgm:fillClrLst meth="repeat">
+      <a:schemeClr val="accent1"/>
+    </dgm:fillClrLst>
+    <dgm:linClrLst meth="repeat">
+      <a:schemeClr val="lt1"/>
+    </dgm:linClrLst>
+    <dgm:effectClrLst/>
+    <dgm:txLinClrLst/>
+    <dgm:txFillClrLst/>
+    <dgm:txEffectClrLst/>
+  </dgm:styleLbl>
+  <dgm:styleLbl name="fgImgPlace1">
+    <dgm:fillClrLst meth="repeat">
+      <a:schemeClr val="accent1">
+        <a:tint val="50000"/>
+      </a:schemeClr>
+    </dgm:fillClrLst>
+    <dgm:linClrLst meth="repeat">
+      <a:schemeClr val="lt1"/>
+    </dgm:linClrLst>
+    <dgm:effectClrLst/>
+    <dgm:txLinClrLst/>
+    <dgm:txFillClrLst meth="repeat">
+      <a:schemeClr val="lt1"/>
+    </dgm:txFillClrLst>
+    <dgm:txEffectClrLst/>
+  </dgm:styleLbl>
+  <dgm:styleLbl name="alignImgPlace1">
+    <dgm:fillClrLst meth="repeat">
+      <a:schemeClr val="accent1">
+        <a:tint val="50000"/>
+      </a:schemeClr>
+    </dgm:fillClrLst>
+    <dgm:linClrLst meth="repeat">
+      <a:schemeClr val="lt1"/>
+    </dgm:linClrLst>
+    <dgm:effectClrLst/>
+    <dgm:txLinClrLst/>
+    <dgm:txFillClrLst meth="repeat">
+      <a:schemeClr val="lt1"/>
+    </dgm:txFillClrLst>
+    <dgm:txEffectClrLst/>
+  </dgm:styleLbl>
+  <dgm:styleLbl name="bgImgPlace1">
+    <dgm:fillClrLst meth="repeat">
+      <a:schemeClr val="accent1">
+        <a:tint val="50000"/>
+      </a:schemeClr>
+    </dgm:fillClrLst>
+    <dgm:linClrLst meth="repeat">
+      <a:schemeClr val="lt1"/>
+    </dgm:linClrLst>
+    <dgm:effectClrLst/>
+    <dgm:txLinClrLst/>
+    <dgm:txFillClrLst meth="repeat">
+      <a:schemeClr val="lt1"/>
+    </dgm:txFillClrLst>
+    <dgm:txEffectClrLst/>
+  </dgm:styleLbl>
+  <dgm:styleLbl name="sibTrans2D1">
+    <dgm:fillClrLst meth="repeat">
+      <a:schemeClr val="accent1">
+        <a:tint val="60000"/>
+      </a:schemeClr>
+    </dgm:fillClrLst>
+    <dgm:linClrLst meth="repeat">
+      <a:schemeClr val="accent1">
+        <a:tint val="60000"/>
+      </a:schemeClr>
+    </dgm:linClrLst>
+    <dgm:effectClrLst/>
+    <dgm:txLinClrLst/>
+    <dgm:txFillClrLst/>
+    <dgm:txEffectClrLst/>
+  </dgm:styleLbl>
+  <dgm:styleLbl name="fgSibTrans2D1">
+    <dgm:fillClrLst meth="repeat">
+      <a:schemeClr val="accent1">
+        <a:tint val="60000"/>
+      </a:schemeClr>
+    </dgm:fillClrLst>
+    <dgm:linClrLst meth="repeat">
+      <a:schemeClr val="accent1">
+        <a:tint val="60000"/>
+      </a:schemeClr>
+    </dgm:linClrLst>
+    <dgm:effectClrLst/>
+    <dgm:txLinClrLst/>
+    <dgm:txFillClrLst/>
+    <dgm:txEffectClrLst/>
+  </dgm:styleLbl>
+  <dgm:styleLbl name="bgSibTrans2D1">
+    <dgm:fillClrLst meth="repeat">
+      <a:schemeClr val="accent1">
+        <a:tint val="60000"/>
+      </a:schemeClr>
+    </dgm:fillClrLst>
+    <dgm:linClrLst meth="repeat">
+      <a:schemeClr val="accent1">
+        <a:tint val="60000"/>
+      </a:schemeClr>
+    </dgm:linClrLst>
+    <dgm:effectClrLst/>
+    <dgm:txLinClrLst/>
+    <dgm:txFillClrLst/>
+    <dgm:txEffectClrLst/>
+  </dgm:styleLbl>
+  <dgm:styleLbl name="sibTrans1D1">
+    <dgm:fillClrLst meth="repeat">
+      <a:schemeClr val="accent1"/>
+    </dgm:fillClrLst>
+    <dgm:linClrLst meth="repeat">
+      <a:schemeClr val="accent1"/>
+    </dgm:linClrLst>
+    <dgm:effectClrLst/>
+    <dgm:txLinClrLst/>
+    <dgm:txFillClrLst meth="repeat">
+      <a:schemeClr val="tx1"/>
+    </dgm:txFillClrLst>
+    <dgm:txEffectClrLst/>
+  </dgm:styleLbl>
+  <dgm:styleLbl name="callout">
+    <dgm:fillClrLst meth="repeat">
+      <a:schemeClr val="accent1"/>
+    </dgm:fillClrLst>
+    <dgm:linClrLst meth="repeat">
+      <a:schemeClr val="accent1">
+        <a:tint val="50000"/>
+      </a:schemeClr>
+    </dgm:linClrLst>
+    <dgm:effectClrLst/>
+    <dgm:txLinClrLst/>
+    <dgm:txFillClrLst meth="repeat">
+      <a:schemeClr val="tx1"/>
+    </dgm:txFillClrLst>
+    <dgm:txEffectClrLst/>
+  </dgm:styleLbl>
+  <dgm:styleLbl name="asst0">
+    <dgm:fillClrLst meth="repeat">
+      <a:schemeClr val="accent1"/>
+    </dgm:fillClrLst>
+    <dgm:linClrLst meth="repeat">
+      <a:schemeClr val="lt1"/>
+    </dgm:linClrLst>
+    <dgm:effectClrLst/>
+    <dgm:txLinClrLst/>
+    <dgm:txFillClrLst/>
+    <dgm:txEffectClrLst/>
+  </dgm:styleLbl>
+  <dgm:styleLbl name="asst1">
+    <dgm:fillClrLst meth="repeat">
+      <a:schemeClr val="accent1"/>
+    </dgm:fillClrLst>
+    <dgm:linClrLst meth="repeat">
+      <a:schemeClr val="lt1"/>
+    </dgm:linClrLst>
+    <dgm:effectClrLst/>
+    <dgm:txLinClrLst/>
+    <dgm:txFillClrLst/>
+    <dgm:txEffectClrLst/>
+  </dgm:styleLbl>
+  <dgm:styleLbl name="asst2">
+    <dgm:fillClrLst meth="repeat">
+      <a:schemeClr val="accent1"/>
+    </dgm:fillClrLst>
+    <dgm:linClrLst meth="repeat">
+      <a:schemeClr val="lt1"/>
+    </dgm:linClrLst>
+    <dgm:effectClrLst/>
+    <dgm:txLinClrLst/>
+    <dgm:txFillClrLst/>
+    <dgm:txEffectClrLst/>
+  </dgm:styleLbl>
+  <dgm:styleLbl name="asst3">
+    <dgm:fillClrLst meth="repeat">
+      <a:schemeClr val="accent1"/>
+    </dgm:fillClrLst>
+    <dgm:linClrLst meth="repeat">
+      <a:schemeClr val="lt1"/>
+    </dgm:linClrLst>
+    <dgm:effectClrLst/>
+    <dgm:txLinClrLst/>
+    <dgm:txFillClrLst/>
+    <dgm:txEffectClrLst/>
+  </dgm:styleLbl>
+  <dgm:styleLbl name="asst4">
+    <dgm:fillClrLst meth="repeat">
+      <a:schemeClr val="accent1"/>
+    </dgm:fillClrLst>
+    <dgm:linClrLst meth="repeat">
+      <a:schemeClr val="lt1"/>
+    </dgm:linClrLst>
+    <dgm:effectClrLst/>
+    <dgm:txLinClrLst/>
+    <dgm:txFillClrLst/>
+    <dgm:txEffectClrLst/>
+  </dgm:styleLbl>
+  <dgm:styleLbl name="parChTrans2D1">
+    <dgm:fillClrLst meth="repeat">
+      <a:schemeClr val="accent1">
+        <a:tint val="60000"/>
+      </a:schemeClr>
+    </dgm:fillClrLst>
+    <dgm:linClrLst meth="repeat">
+      <a:schemeClr val="accent1">
+        <a:tint val="60000"/>
+      </a:schemeClr>
+    </dgm:linClrLst>
+    <dgm:effectClrLst/>
+    <dgm:txLinClrLst/>
+    <dgm:txFillClrLst meth="repeat">
+      <a:schemeClr val="lt1"/>
+    </dgm:txFillClrLst>
+    <dgm:txEffectClrLst/>
+  </dgm:styleLbl>
+  <dgm:styleLbl name="parChTrans2D2">
+    <dgm:fillClrLst meth="repeat">
+      <a:schemeClr val="accent1"/>
+    </dgm:fillClrLst>
+    <dgm:linClrLst meth="repeat">
+      <a:schemeClr val="accent1"/>
+    </dgm:linClrLst>
+    <dgm:effectClrLst/>
+    <dgm:txLinClrLst/>
+    <dgm:txFillClrLst meth="repeat">
+      <a:schemeClr val="lt1"/>
+    </dgm:txFillClrLst>
+    <dgm:txEffectClrLst/>
+  </dgm:styleLbl>
+  <dgm:styleLbl name="parChTrans2D3">
+    <dgm:fillClrLst meth="repeat">
+      <a:schemeClr val="accent1"/>
+    </dgm:fillClrLst>
+    <dgm:linClrLst meth="repeat">
+      <a:schemeClr val="accent1"/>
+    </dgm:linClrLst>
+    <dgm:effectClrLst/>
+    <dgm:txLinClrLst/>
+    <dgm:txFillClrLst meth="repeat">
+      <a:schemeClr val="lt1"/>
+    </dgm:txFillClrLst>
+    <dgm:txEffectClrLst/>
+  </dgm:styleLbl>
+  <dgm:styleLbl name="parChTrans2D4">
+    <dgm:fillClrLst meth="repeat">
+      <a:schemeClr val="accent1"/>
+    </dgm:fillClrLst>
+    <dgm:linClrLst meth="repeat">
+      <a:schemeClr val="accent1"/>
+    </dgm:linClrLst>
+    <dgm:effectClrLst/>
+    <dgm:txLinClrLst/>
+    <dgm:txFillClrLst meth="repeat">
+      <a:schemeClr val="lt1"/>
+    </dgm:txFillClrLst>
+    <dgm:txEffectClrLst/>
+  </dgm:styleLbl>
+  <dgm:styleLbl name="parChTrans1D1">
+    <dgm:fillClrLst meth="repeat">
+      <a:schemeClr val="accent1"/>
+    </dgm:fillClrLst>
+    <dgm:linClrLst meth="repeat">
+      <a:schemeClr val="accent1">
+        <a:shade val="60000"/>
+      </a:schemeClr>
+    </dgm:linClrLst>
+    <dgm:effectClrLst/>
+    <dgm:txLinClrLst/>
+    <dgm:txFillClrLst meth="repeat">
+      <a:schemeClr val="tx1"/>
+    </dgm:txFillClrLst>
+    <dgm:txEffectClrLst/>
+  </dgm:styleLbl>
+  <dgm:styleLbl name="parChTrans1D2">
+    <dgm:fillClrLst meth="repeat">
+      <a:schemeClr val="accent1"/>
+    </dgm:fillClrLst>
+    <dgm:linClrLst meth="repeat">
+      <a:schemeClr val="accent1">
+        <a:shade val="60000"/>
+      </a:schemeClr>
+    </dgm:linClrLst>
+    <dgm:effectClrLst/>
+    <dgm:txLinClrLst/>
+    <dgm:txFillClrLst meth="repeat">
+      <a:schemeClr val="tx1"/>
+    </dgm:txFillClrLst>
+    <dgm:txEffectClrLst/>
+  </dgm:styleLbl>
+  <dgm:styleLbl name="parChTrans1D3">
+    <dgm:fillClrLst meth="repeat">
+      <a:schemeClr val="accent1"/>
+    </dgm:fillClrLst>
+    <dgm:linClrLst meth="repeat">
+      <a:schemeClr val="accent1">
+        <a:shade val="80000"/>
+      </a:schemeClr>
+    </dgm:linClrLst>
+    <dgm:effectClrLst/>
+    <dgm:txLinClrLst/>
+    <dgm:txFillClrLst meth="repeat">
+      <a:schemeClr val="tx1"/>
+    </dgm:txFillClrLst>
+    <dgm:txEffectClrLst/>
+  </dgm:styleLbl>
+  <dgm:styleLbl name="parChTrans1D4">
+    <dgm:fillClrLst meth="repeat">
+      <a:schemeClr val="accent1"/>
+    </dgm:fillClrLst>
+    <dgm:linClrLst meth="repeat">
+      <a:schemeClr val="accent1">
+        <a:shade val="80000"/>
+      </a:schemeClr>
+    </dgm:linClrLst>
+    <dgm:effectClrLst/>
+    <dgm:txLinClrLst/>
+    <dgm:txFillClrLst meth="repeat">
+      <a:schemeClr val="tx1"/>
+    </dgm:txFillClrLst>
+    <dgm:txEffectClrLst/>
+  </dgm:styleLbl>
+  <dgm:styleLbl name="fgAcc1">
+    <dgm:fillClrLst meth="repeat">
+      <a:schemeClr val="lt1">
+        <a:alpha val="90000"/>
+      </a:schemeClr>
+    </dgm:fillClrLst>
+    <dgm:linClrLst meth="repeat">
+      <a:schemeClr val="accent1"/>
+    </dgm:linClrLst>
+    <dgm:effectClrLst/>
+    <dgm:txLinClrLst/>
+    <dgm:txFillClrLst meth="repeat">
+      <a:schemeClr val="dk1"/>
+    </dgm:txFillClrLst>
+    <dgm:txEffectClrLst/>
+  </dgm:styleLbl>
+  <dgm:styleLbl name="conFgAcc1">
+    <dgm:fillClrLst meth="repeat">
+      <a:schemeClr val="lt1">
+        <a:alpha val="90000"/>
+      </a:schemeClr>
+    </dgm:fillClrLst>
+    <dgm:linClrLst meth="repeat">
+      <a:schemeClr val="accent1"/>
+    </dgm:linClrLst>
+    <dgm:effectClrLst/>
+    <dgm:txLinClrLst/>
+    <dgm:txFillClrLst meth="repeat">
+      <a:schemeClr val="dk1"/>
+    </dgm:txFillClrLst>
+    <dgm:txEffectClrLst/>
+  </dgm:styleLbl>
+  <dgm:styleLbl name="alignAcc1">
+    <dgm:fillClrLst meth="repeat">
+      <a:schemeClr val="lt1">
+        <a:alpha val="90000"/>
+      </a:schemeClr>
+    </dgm:fillClrLst>
+    <dgm:linClrLst meth="repeat">
+      <a:schemeClr val="accent1"/>
+    </dgm:linClrLst>
+    <dgm:effectClrLst/>
+    <dgm:txLinClrLst/>
+    <dgm:txFillClrLst meth="repeat">
+      <a:schemeClr val="dk1"/>
+    </dgm:txFillClrLst>
+    <dgm:txEffectClrLst/>
+  </dgm:styleLbl>
+  <dgm:styleLbl name="trAlignAcc1">
+    <dgm:fillClrLst meth="repeat">
+      <a:schemeClr val="lt1">
+        <a:alpha val="40000"/>
+      </a:schemeClr>
+    </dgm:fillClrLst>
+    <dgm:linClrLst meth="repeat">
+      <a:schemeClr val="accent1"/>
+    </dgm:linClrLst>
+    <dgm:effectClrLst/>
+    <dgm:txLinClrLst/>
+    <dgm:txFillClrLst meth="repeat">
+      <a:schemeClr val="dk1"/>
+    </dgm:txFillClrLst>
+    <dgm:txEffectClrLst/>
+  </dgm:styleLbl>
+  <dgm:styleLbl name="bgAcc1">
+    <dgm:fillClrLst meth="repeat">
+      <a:schemeClr val="lt1">
+        <a:alpha val="90000"/>
+      </a:schemeClr>
+    </dgm:fillClrLst>
+    <dgm:linClrLst meth="repeat">
+      <a:schemeClr val="accent1"/>
+    </dgm:linClrLst>
+    <dgm:effectClrLst/>
+    <dgm:txLinClrLst/>
+    <dgm:txFillClrLst meth="repeat">
+      <a:schemeClr val="dk1"/>
+    </dgm:txFillClrLst>
+    <dgm:txEffectClrLst/>
+  </dgm:styleLbl>
+  <dgm:styleLbl name="solidFgAcc1">
+    <dgm:fillClrLst meth="repeat">
+      <a:schemeClr val="lt1"/>
+    </dgm:fillClrLst>
+    <dgm:linClrLst meth="repeat">
+      <a:schemeClr val="accent1"/>
+    </dgm:linClrLst>
+    <dgm:effectClrLst/>
+    <dgm:txLinClrLst/>
+    <dgm:txFillClrLst meth="repeat">
+      <a:schemeClr val="dk1"/>
+    </dgm:txFillClrLst>
+    <dgm:txEffectClrLst/>
+  </dgm:styleLbl>
+  <dgm:styleLbl name="solidAlignAcc1">
+    <dgm:fillClrLst meth="repeat">
+      <a:schemeClr val="lt1"/>
+    </dgm:fillClrLst>
+    <dgm:linClrLst meth="repeat">
+      <a:schemeClr val="accent1"/>
+    </dgm:linClrLst>
+    <dgm:effectClrLst/>
+    <dgm:txLinClrLst/>
+    <dgm:txFillClrLst meth="repeat">
+      <a:schemeClr val="dk1"/>
+    </dgm:txFillClrLst>
+    <dgm:txEffectClrLst/>
+  </dgm:styleLbl>
+  <dgm:styleLbl name="solidBgAcc1">
+    <dgm:fillClrLst meth="repeat">
+      <a:schemeClr val="lt1"/>
+    </dgm:fillClrLst>
+    <dgm:linClrLst meth="repeat">
+      <a:schemeClr val="accent1"/>
+    </dgm:linClrLst>
+    <dgm:effectClrLst/>
+    <dgm:txLinClrLst/>
+    <dgm:txFillClrLst meth="repeat">
+      <a:schemeClr val="dk1"/>
+    </dgm:txFillClrLst>
+    <dgm:txEffectClrLst/>
+  </dgm:styleLbl>
+  <dgm:styleLbl name="fgAccFollowNode1">
+    <dgm:fillClrLst meth="repeat">
+      <a:schemeClr val="accent1">
+        <a:alpha val="90000"/>
+        <a:tint val="40000"/>
+      </a:schemeClr>
+    </dgm:fillClrLst>
+    <dgm:linClrLst meth="repeat">
+      <a:schemeClr val="accent1">
+        <a:alpha val="90000"/>
+        <a:tint val="40000"/>
+      </a:schemeClr>
+    </dgm:linClrLst>
+    <dgm:effectClrLst/>
+    <dgm:txLinClrLst/>
+    <dgm:txFillClrLst meth="repeat">
+      <a:schemeClr val="dk1"/>
+    </dgm:txFillClrLst>
+    <dgm:txEffectClrLst/>
+  </dgm:styleLbl>
+  <dgm:styleLbl name="alignAccFollowNode1">
+    <dgm:fillClrLst meth="repeat">
+      <a:schemeClr val="accent1">
+        <a:alpha val="90000"/>
+        <a:tint val="40000"/>
+      </a:schemeClr>
+    </dgm:fillClrLst>
+    <dgm:linClrLst meth="repeat">
+      <a:schemeClr val="accent1">
+        <a:alpha val="90000"/>
+        <a:tint val="40000"/>
+      </a:schemeClr>
+    </dgm:linClrLst>
+    <dgm:effectClrLst/>
+    <dgm:txLinClrLst/>
+    <dgm:txFillClrLst meth="repeat">
+      <a:schemeClr val="dk1"/>
+    </dgm:txFillClrLst>
+    <dgm:txEffectClrLst/>
+  </dgm:styleLbl>
+  <dgm:styleLbl name="bgAccFollowNode1">
+    <dgm:fillClrLst meth="repeat">
+      <a:schemeClr val="accent1">
+        <a:alpha val="90000"/>
+        <a:tint val="40000"/>
+      </a:schemeClr>
+    </dgm:fillClrLst>
+    <dgm:linClrLst meth="repeat">
+      <a:schemeClr val="accent1">
+        <a:alpha val="90000"/>
+        <a:tint val="40000"/>
+      </a:schemeClr>
+    </dgm:linClrLst>
+    <dgm:effectClrLst/>
+    <dgm:txLinClrLst/>
+    <dgm:txFillClrLst meth="repeat">
+      <a:schemeClr val="dk1"/>
+    </dgm:txFillClrLst>
+    <dgm:txEffectClrLst/>
+  </dgm:styleLbl>
+  <dgm:styleLbl name="fgAcc0">
+    <dgm:fillClrLst meth="repeat">
+      <a:schemeClr val="lt1">
+        <a:alpha val="90000"/>
+      </a:schemeClr>
+    </dgm:fillClrLst>
+    <dgm:linClrLst meth="repeat">
+      <a:schemeClr val="accent1"/>
+    </dgm:linClrLst>
+    <dgm:effectClrLst/>
+    <dgm:txLinClrLst/>
+    <dgm:txFillClrLst meth="repeat">
+      <a:schemeClr val="dk1"/>
+    </dgm:txFillClrLst>
+    <dgm:txEffectClrLst/>
+  </dgm:styleLbl>
+  <dgm:styleLbl name="fgAcc2">
+    <dgm:fillClrLst meth="repeat">
+      <a:schemeClr val="lt1">
+        <a:alpha val="90000"/>
+      </a:schemeClr>
+    </dgm:fillClrLst>
+    <dgm:linClrLst meth="repeat">
+      <a:schemeClr val="accent1"/>
+    </dgm:linClrLst>
+    <dgm:effectClrLst/>
+    <dgm:txLinClrLst/>
+    <dgm:txFillClrLst meth="repeat">
+      <a:schemeClr val="dk1"/>
+    </dgm:txFillClrLst>
+    <dgm:txEffectClrLst/>
+  </dgm:styleLbl>
+  <dgm:styleLbl name="fgAcc3">
+    <dgm:fillClrLst meth="repeat">
+      <a:schemeClr val="lt1">
+        <a:alpha val="90000"/>
+      </a:schemeClr>
+    </dgm:fillClrLst>
+    <dgm:linClrLst meth="repeat">
+      <a:schemeClr val="accent1"/>
+    </dgm:linClrLst>
+    <dgm:effectClrLst/>
+    <dgm:txLinClrLst/>
+    <dgm:txFillClrLst meth="repeat">
+      <a:schemeClr val="dk1"/>
+    </dgm:txFillClrLst>
+    <dgm:txEffectClrLst/>
+  </dgm:styleLbl>
+  <dgm:styleLbl name="fgAcc4">
+    <dgm:fillClrLst meth="repeat">
+      <a:schemeClr val="lt1">
+        <a:alpha val="90000"/>
+      </a:schemeClr>
+    </dgm:fillClrLst>
+    <dgm:linClrLst meth="repeat">
+      <a:schemeClr val="accent1"/>
+    </dgm:linClrLst>
+    <dgm:effectClrLst/>
+    <dgm:txLinClrLst/>
+    <dgm:txFillClrLst meth="repeat">
+      <a:schemeClr val="dk1"/>
+    </dgm:txFillClrLst>
+    <dgm:txEffectClrLst/>
+  </dgm:styleLbl>
+  <dgm:styleLbl name="bgShp">
+    <dgm:fillClrLst meth="repeat">
+      <a:schemeClr val="accent1">
+        <a:tint val="40000"/>
+      </a:schemeClr>
+    </dgm:fillClrLst>
+    <dgm:linClrLst meth="repeat">
+      <a:schemeClr val="accent1"/>
+    </dgm:linClrLst>
+    <dgm:effectClrLst/>
+    <dgm:txLinClrLst/>
+    <dgm:txFillClrLst meth="repeat">
+      <a:schemeClr val="dk1"/>
+    </dgm:txFillClrLst>
+    <dgm:txEffectClrLst/>
+  </dgm:styleLbl>
+  <dgm:styleLbl name="dkBgShp">
+    <dgm:fillClrLst meth="repeat">
+      <a:schemeClr val="accent1">
+        <a:shade val="80000"/>
+      </a:schemeClr>
+    </dgm:fillClrLst>
+    <dgm:linClrLst meth="repeat">
+      <a:schemeClr val="accent1"/>
+    </dgm:linClrLst>
+    <dgm:effectClrLst/>
+    <dgm:txLinClrLst/>
+    <dgm:txFillClrLst meth="repeat">
+      <a:schemeClr val="lt1"/>
+    </dgm:txFillClrLst>
+    <dgm:txEffectClrLst/>
+  </dgm:styleLbl>
+  <dgm:styleLbl name="trBgShp">
+    <dgm:fillClrLst meth="repeat">
+      <a:schemeClr val="accent1">
+        <a:tint val="50000"/>
+        <a:alpha val="40000"/>
+      </a:schemeClr>
+    </dgm:fillClrLst>
+    <dgm:linClrLst meth="repeat">
+      <a:schemeClr val="accent1"/>
+    </dgm:linClrLst>
+    <dgm:effectClrLst/>
+    <dgm:txLinClrLst/>
+    <dgm:txFillClrLst meth="repeat">
+      <a:schemeClr val="lt1"/>
+    </dgm:txFillClrLst>
+    <dgm:txEffectClrLst/>
+  </dgm:styleLbl>
+  <dgm:styleLbl name="fgShp">
+    <dgm:fillClrLst meth="repeat">
+      <a:schemeClr val="accent1">
+        <a:tint val="60000"/>
+      </a:schemeClr>
+    </dgm:fillClrLst>
+    <dgm:linClrLst meth="repeat">
+      <a:schemeClr val="lt1"/>
+    </dgm:linClrLst>
+    <dgm:effectClrLst/>
+    <dgm:txLinClrLst/>
+    <dgm:txFillClrLst meth="repeat">
+      <a:schemeClr val="dk1"/>
+    </dgm:txFillClrLst>
+    <dgm:txEffectClrLst/>
+  </dgm:styleLbl>
+  <dgm:styleLbl name="revTx">
+    <dgm:fillClrLst meth="repeat">
+      <a:schemeClr val="lt1">
+        <a:alpha val="0"/>
+      </a:schemeClr>
+    </dgm:fillClrLst>
+    <dgm:linClrLst meth="repeat">
+      <a:schemeClr val="dk1">
+        <a:alpha val="0"/>
+      </a:schemeClr>
+    </dgm:linClrLst>
+    <dgm:effectClrLst/>
+    <dgm:txLinClrLst/>
+    <dgm:txFillClrLst meth="repeat">
+      <a:schemeClr val="tx1"/>
+    </dgm:txFillClrLst>
+    <dgm:txEffectClrLst/>
+  </dgm:styleLbl>
+</dgm:colorsDef>
+</file>
+
+<file path=ppt/diagrams/colors4.xml><?xml version="1.0" encoding="utf-8"?>
 <dgm:colorsDef xmlns:dgm="http://schemas.openxmlformats.org/drawingml/2006/diagram" xmlns:a="http://schemas.openxmlformats.org/drawingml/2006/main" uniqueId="urn:microsoft.com/office/officeart/2005/8/colors/accent1_2">
   <dgm:title val=""/>
   <dgm:desc val=""/>
@@ -2838,6 +3590,135 @@
   <dgm:extLst>
     <a:ext uri="http://schemas.microsoft.com/office/drawing/2008/diagram">
       <dsp:dataModelExt xmlns:dsp="http://schemas.microsoft.com/office/drawing/2008/diagram" relId="rId16" minVer="http://schemas.openxmlformats.org/drawingml/2006/diagram"/>
+    </a:ext>
+  </dgm:extLst>
+</dgm:dataModel>
+</file>
+
+<file path=ppt/diagrams/data4.xml><?xml version="1.0" encoding="utf-8"?>
+<dgm:dataModel xmlns:dgm="http://schemas.openxmlformats.org/drawingml/2006/diagram" xmlns:a="http://schemas.openxmlformats.org/drawingml/2006/main">
+  <dgm:ptLst>
+    <dgm:pt modelId="{CEF739A4-55A0-544F-97B8-B69406DD3F94}" type="doc">
+      <dgm:prSet loTypeId="urn:microsoft.com/office/officeart/2005/8/layout/hChevron3" loCatId="" qsTypeId="urn:microsoft.com/office/officeart/2005/8/quickstyle/simple2" qsCatId="simple" csTypeId="urn:microsoft.com/office/officeart/2005/8/colors/accent1_2" csCatId="accent1" phldr="1"/>
+      <dgm:spPr/>
+    </dgm:pt>
+    <dgm:pt modelId="{73BC93BC-09A2-0141-9E18-C4A60F4031FE}">
+      <dgm:prSet phldrT="[Text]" custT="1"/>
+      <dgm:spPr/>
+      <dgm:t>
+        <a:bodyPr/>
+        <a:lstStyle/>
+        <a:p>
+          <a:r>
+            <a:rPr lang="en-US" sz="2800" dirty="0"/>
+            <a:t>Efficiency</a:t>
+          </a:r>
+        </a:p>
+      </dgm:t>
+    </dgm:pt>
+    <dgm:pt modelId="{66260A35-1250-644B-B062-8B7ABED659BF}" type="sibTrans" cxnId="{B11A0E26-8C06-C441-BC50-52CC84FB959C}">
+      <dgm:prSet/>
+      <dgm:spPr/>
+      <dgm:t>
+        <a:bodyPr/>
+        <a:lstStyle/>
+        <a:p>
+          <a:endParaRPr lang="en-US"/>
+        </a:p>
+      </dgm:t>
+    </dgm:pt>
+    <dgm:pt modelId="{A09A8C47-2CEA-7541-A07B-E75D3DE6FF55}" type="parTrans" cxnId="{B11A0E26-8C06-C441-BC50-52CC84FB959C}">
+      <dgm:prSet/>
+      <dgm:spPr/>
+      <dgm:t>
+        <a:bodyPr/>
+        <a:lstStyle/>
+        <a:p>
+          <a:endParaRPr lang="en-US"/>
+        </a:p>
+      </dgm:t>
+    </dgm:pt>
+    <dgm:pt modelId="{92AA1EF1-EFBA-D945-B1E4-32C2CE2D83F8}">
+      <dgm:prSet phldrT="[Text]" custT="1"/>
+      <dgm:spPr/>
+      <dgm:t>
+        <a:bodyPr/>
+        <a:lstStyle/>
+        <a:p>
+          <a:r>
+            <a:rPr lang="en-US" sz="2800" dirty="0"/>
+            <a:t>Effectivity</a:t>
+          </a:r>
+        </a:p>
+      </dgm:t>
+    </dgm:pt>
+    <dgm:pt modelId="{2166FE30-9EA6-384F-A92A-B4D137F62FD3}" type="sibTrans" cxnId="{C5332AF1-5ECD-E448-BD2C-0668853A77D7}">
+      <dgm:prSet/>
+      <dgm:spPr/>
+      <dgm:t>
+        <a:bodyPr/>
+        <a:lstStyle/>
+        <a:p>
+          <a:endParaRPr lang="en-US"/>
+        </a:p>
+      </dgm:t>
+    </dgm:pt>
+    <dgm:pt modelId="{F3B9C650-ADD8-A54E-988A-A2929898B1CD}" type="parTrans" cxnId="{C5332AF1-5ECD-E448-BD2C-0668853A77D7}">
+      <dgm:prSet/>
+      <dgm:spPr/>
+      <dgm:t>
+        <a:bodyPr/>
+        <a:lstStyle/>
+        <a:p>
+          <a:endParaRPr lang="en-US"/>
+        </a:p>
+      </dgm:t>
+    </dgm:pt>
+    <dgm:pt modelId="{1A7F3170-D638-6242-A6B5-E2B280C50819}" type="pres">
+      <dgm:prSet presAssocID="{CEF739A4-55A0-544F-97B8-B69406DD3F94}" presName="Name0" presStyleCnt="0">
+        <dgm:presLayoutVars>
+          <dgm:dir/>
+          <dgm:resizeHandles val="exact"/>
+        </dgm:presLayoutVars>
+      </dgm:prSet>
+      <dgm:spPr/>
+    </dgm:pt>
+    <dgm:pt modelId="{145BEBAD-CB46-384D-BDED-8C8E40002A5F}" type="pres">
+      <dgm:prSet presAssocID="{92AA1EF1-EFBA-D945-B1E4-32C2CE2D83F8}" presName="parTxOnly" presStyleLbl="node1" presStyleIdx="0" presStyleCnt="2" custLinFactY="-18404" custLinFactNeighborX="-704" custLinFactNeighborY="-100000">
+        <dgm:presLayoutVars>
+          <dgm:bulletEnabled val="1"/>
+        </dgm:presLayoutVars>
+      </dgm:prSet>
+      <dgm:spPr/>
+    </dgm:pt>
+    <dgm:pt modelId="{50480D40-D760-7643-9148-B62E4FF0CB96}" type="pres">
+      <dgm:prSet presAssocID="{2166FE30-9EA6-384F-A92A-B4D137F62FD3}" presName="parSpace" presStyleCnt="0"/>
+      <dgm:spPr/>
+    </dgm:pt>
+    <dgm:pt modelId="{2A49ED7C-90EA-5948-A4D2-B16F1EC978B1}" type="pres">
+      <dgm:prSet presAssocID="{73BC93BC-09A2-0141-9E18-C4A60F4031FE}" presName="parTxOnly" presStyleLbl="node1" presStyleIdx="1" presStyleCnt="2" custLinFactNeighborX="704" custLinFactNeighborY="-33383">
+        <dgm:presLayoutVars>
+          <dgm:bulletEnabled val="1"/>
+        </dgm:presLayoutVars>
+      </dgm:prSet>
+      <dgm:spPr/>
+    </dgm:pt>
+  </dgm:ptLst>
+  <dgm:cxnLst>
+    <dgm:cxn modelId="{B11A0E26-8C06-C441-BC50-52CC84FB959C}" srcId="{CEF739A4-55A0-544F-97B8-B69406DD3F94}" destId="{73BC93BC-09A2-0141-9E18-C4A60F4031FE}" srcOrd="1" destOrd="0" parTransId="{A09A8C47-2CEA-7541-A07B-E75D3DE6FF55}" sibTransId="{66260A35-1250-644B-B062-8B7ABED659BF}"/>
+    <dgm:cxn modelId="{311F9DA6-E0D6-0D44-8948-3E3DAEDAD8B0}" type="presOf" srcId="{73BC93BC-09A2-0141-9E18-C4A60F4031FE}" destId="{2A49ED7C-90EA-5948-A4D2-B16F1EC978B1}" srcOrd="0" destOrd="0" presId="urn:microsoft.com/office/officeart/2005/8/layout/hChevron3"/>
+    <dgm:cxn modelId="{0F9AE2B6-D1C6-8847-A789-39BB909B281B}" type="presOf" srcId="{92AA1EF1-EFBA-D945-B1E4-32C2CE2D83F8}" destId="{145BEBAD-CB46-384D-BDED-8C8E40002A5F}" srcOrd="0" destOrd="0" presId="urn:microsoft.com/office/officeart/2005/8/layout/hChevron3"/>
+    <dgm:cxn modelId="{2196F0B9-9804-C742-B6DD-9BB59BE96881}" type="presOf" srcId="{CEF739A4-55A0-544F-97B8-B69406DD3F94}" destId="{1A7F3170-D638-6242-A6B5-E2B280C50819}" srcOrd="0" destOrd="0" presId="urn:microsoft.com/office/officeart/2005/8/layout/hChevron3"/>
+    <dgm:cxn modelId="{C5332AF1-5ECD-E448-BD2C-0668853A77D7}" srcId="{CEF739A4-55A0-544F-97B8-B69406DD3F94}" destId="{92AA1EF1-EFBA-D945-B1E4-32C2CE2D83F8}" srcOrd="0" destOrd="0" parTransId="{F3B9C650-ADD8-A54E-988A-A2929898B1CD}" sibTransId="{2166FE30-9EA6-384F-A92A-B4D137F62FD3}"/>
+    <dgm:cxn modelId="{0BD3BA51-CE32-9C4F-8C4E-E609AAC3BA01}" type="presParOf" srcId="{1A7F3170-D638-6242-A6B5-E2B280C50819}" destId="{145BEBAD-CB46-384D-BDED-8C8E40002A5F}" srcOrd="0" destOrd="0" presId="urn:microsoft.com/office/officeart/2005/8/layout/hChevron3"/>
+    <dgm:cxn modelId="{501DC607-FC30-7D43-889E-35F5B745CD69}" type="presParOf" srcId="{1A7F3170-D638-6242-A6B5-E2B280C50819}" destId="{50480D40-D760-7643-9148-B62E4FF0CB96}" srcOrd="1" destOrd="0" presId="urn:microsoft.com/office/officeart/2005/8/layout/hChevron3"/>
+    <dgm:cxn modelId="{5413D0B1-E7E5-5544-A4FF-E42469789BD7}" type="presParOf" srcId="{1A7F3170-D638-6242-A6B5-E2B280C50819}" destId="{2A49ED7C-90EA-5948-A4D2-B16F1EC978B1}" srcOrd="2" destOrd="0" presId="urn:microsoft.com/office/officeart/2005/8/layout/hChevron3"/>
+  </dgm:cxnLst>
+  <dgm:bg/>
+  <dgm:whole/>
+  <dgm:extLst>
+    <a:ext uri="http://schemas.microsoft.com/office/drawing/2008/diagram">
+      <dsp:dataModelExt xmlns:dsp="http://schemas.microsoft.com/office/drawing/2008/diagram" relId="rId21" minVer="http://schemas.openxmlformats.org/drawingml/2006/diagram"/>
     </a:ext>
   </dgm:extLst>
 </dgm:dataModel>
@@ -3675,6 +4556,174 @@
 </dsp:drawing>
 </file>
 
+<file path=ppt/diagrams/drawing4.xml><?xml version="1.0" encoding="utf-8"?>
+<dsp:drawing xmlns:dgm="http://schemas.openxmlformats.org/drawingml/2006/diagram" xmlns:dsp="http://schemas.microsoft.com/office/drawing/2008/diagram" xmlns:a="http://schemas.openxmlformats.org/drawingml/2006/main">
+  <dsp:spTree>
+    <dsp:nvGrpSpPr>
+      <dsp:cNvPr id="0" name=""/>
+      <dsp:cNvGrpSpPr/>
+    </dsp:nvGrpSpPr>
+    <dsp:grpSpPr/>
+    <dsp:sp modelId="{145BEBAD-CB46-384D-BDED-8C8E40002A5F}">
+      <dsp:nvSpPr>
+        <dsp:cNvPr id="0" name=""/>
+        <dsp:cNvSpPr/>
+      </dsp:nvSpPr>
+      <dsp:spPr>
+        <a:xfrm>
+          <a:off x="2" y="0"/>
+          <a:ext cx="5496045" cy="1055971"/>
+        </a:xfrm>
+        <a:prstGeom prst="homePlate">
+          <a:avLst/>
+        </a:prstGeom>
+        <a:solidFill>
+          <a:schemeClr val="accent1">
+            <a:hueOff val="0"/>
+            <a:satOff val="0"/>
+            <a:lumOff val="0"/>
+            <a:alphaOff val="0"/>
+          </a:schemeClr>
+        </a:solidFill>
+        <a:ln w="19050" cap="flat" cmpd="sng" algn="ctr">
+          <a:solidFill>
+            <a:schemeClr val="lt1">
+              <a:hueOff val="0"/>
+              <a:satOff val="0"/>
+              <a:lumOff val="0"/>
+              <a:alphaOff val="0"/>
+            </a:schemeClr>
+          </a:solidFill>
+          <a:prstDash val="solid"/>
+          <a:miter lim="800000"/>
+        </a:ln>
+        <a:effectLst/>
+      </dsp:spPr>
+      <dsp:style>
+        <a:lnRef idx="3">
+          <a:scrgbClr r="0" g="0" b="0"/>
+        </a:lnRef>
+        <a:fillRef idx="1">
+          <a:scrgbClr r="0" g="0" b="0"/>
+        </a:fillRef>
+        <a:effectRef idx="1">
+          <a:scrgbClr r="0" g="0" b="0"/>
+        </a:effectRef>
+        <a:fontRef idx="minor">
+          <a:schemeClr val="lt1"/>
+        </a:fontRef>
+      </dsp:style>
+      <dsp:txBody>
+        <a:bodyPr spcFirstLastPara="0" vert="horz" wrap="square" lIns="149352" tIns="74676" rIns="37338" bIns="74676" numCol="1" spcCol="1270" anchor="ctr" anchorCtr="0">
+          <a:noAutofit/>
+        </a:bodyPr>
+        <a:lstStyle/>
+        <a:p>
+          <a:pPr marL="0" lvl="0" indent="0" algn="ctr" defTabSz="1244600">
+            <a:lnSpc>
+              <a:spcPct val="90000"/>
+            </a:lnSpc>
+            <a:spcBef>
+              <a:spcPct val="0"/>
+            </a:spcBef>
+            <a:spcAft>
+              <a:spcPct val="35000"/>
+            </a:spcAft>
+            <a:buNone/>
+          </a:pPr>
+          <a:r>
+            <a:rPr lang="en-US" sz="2800" kern="1200" dirty="0"/>
+            <a:t>Effectivity</a:t>
+          </a:r>
+        </a:p>
+      </dsp:txBody>
+      <dsp:txXfrm>
+        <a:off x="2" y="0"/>
+        <a:ext cx="5232052" cy="1055971"/>
+      </dsp:txXfrm>
+    </dsp:sp>
+    <dsp:sp modelId="{2A49ED7C-90EA-5948-A4D2-B16F1EC978B1}">
+      <dsp:nvSpPr>
+        <dsp:cNvPr id="0" name=""/>
+        <dsp:cNvSpPr/>
+      </dsp:nvSpPr>
+      <dsp:spPr>
+        <a:xfrm>
+          <a:off x="4412315" y="0"/>
+          <a:ext cx="5496045" cy="1055971"/>
+        </a:xfrm>
+        <a:prstGeom prst="chevron">
+          <a:avLst/>
+        </a:prstGeom>
+        <a:solidFill>
+          <a:schemeClr val="accent1">
+            <a:hueOff val="0"/>
+            <a:satOff val="0"/>
+            <a:lumOff val="0"/>
+            <a:alphaOff val="0"/>
+          </a:schemeClr>
+        </a:solidFill>
+        <a:ln w="19050" cap="flat" cmpd="sng" algn="ctr">
+          <a:solidFill>
+            <a:schemeClr val="lt1">
+              <a:hueOff val="0"/>
+              <a:satOff val="0"/>
+              <a:lumOff val="0"/>
+              <a:alphaOff val="0"/>
+            </a:schemeClr>
+          </a:solidFill>
+          <a:prstDash val="solid"/>
+          <a:miter lim="800000"/>
+        </a:ln>
+        <a:effectLst/>
+      </dsp:spPr>
+      <dsp:style>
+        <a:lnRef idx="3">
+          <a:scrgbClr r="0" g="0" b="0"/>
+        </a:lnRef>
+        <a:fillRef idx="1">
+          <a:scrgbClr r="0" g="0" b="0"/>
+        </a:fillRef>
+        <a:effectRef idx="1">
+          <a:scrgbClr r="0" g="0" b="0"/>
+        </a:effectRef>
+        <a:fontRef idx="minor">
+          <a:schemeClr val="lt1"/>
+        </a:fontRef>
+      </dsp:style>
+      <dsp:txBody>
+        <a:bodyPr spcFirstLastPara="0" vert="horz" wrap="square" lIns="112014" tIns="74676" rIns="37338" bIns="74676" numCol="1" spcCol="1270" anchor="ctr" anchorCtr="0">
+          <a:noAutofit/>
+        </a:bodyPr>
+        <a:lstStyle/>
+        <a:p>
+          <a:pPr marL="0" lvl="0" indent="0" algn="ctr" defTabSz="1244600">
+            <a:lnSpc>
+              <a:spcPct val="90000"/>
+            </a:lnSpc>
+            <a:spcBef>
+              <a:spcPct val="0"/>
+            </a:spcBef>
+            <a:spcAft>
+              <a:spcPct val="35000"/>
+            </a:spcAft>
+            <a:buNone/>
+          </a:pPr>
+          <a:r>
+            <a:rPr lang="en-US" sz="2800" kern="1200" dirty="0"/>
+            <a:t>Efficiency</a:t>
+          </a:r>
+        </a:p>
+      </dsp:txBody>
+      <dsp:txXfrm>
+        <a:off x="4940301" y="0"/>
+        <a:ext cx="4440074" cy="1055971"/>
+      </dsp:txXfrm>
+    </dsp:sp>
+  </dsp:spTree>
+</dsp:drawing>
+</file>
+
 <file path=ppt/diagrams/layout1.xml><?xml version="1.0" encoding="utf-8"?>
 <dgm:layoutDef xmlns:dgm="http://schemas.openxmlformats.org/drawingml/2006/diagram" xmlns:a="http://schemas.openxmlformats.org/drawingml/2006/main" uniqueId="urn:microsoft.com/office/officeart/2005/8/layout/hChevron3">
   <dgm:title val=""/>
@@ -4491,6 +5540,278 @@
 </dgm:layoutDef>
 </file>
 
+<file path=ppt/diagrams/layout4.xml><?xml version="1.0" encoding="utf-8"?>
+<dgm:layoutDef xmlns:dgm="http://schemas.openxmlformats.org/drawingml/2006/diagram" xmlns:a="http://schemas.openxmlformats.org/drawingml/2006/main" uniqueId="urn:microsoft.com/office/officeart/2005/8/layout/hChevron3">
+  <dgm:title val=""/>
+  <dgm:desc val=""/>
+  <dgm:catLst>
+    <dgm:cat type="process" pri="10000"/>
+  </dgm:catLst>
+  <dgm:sampData useDef="1">
+    <dgm:dataModel>
+      <dgm:ptLst/>
+      <dgm:bg/>
+      <dgm:whole/>
+    </dgm:dataModel>
+  </dgm:sampData>
+  <dgm:styleData>
+    <dgm:dataModel>
+      <dgm:ptLst>
+        <dgm:pt modelId="0" type="doc"/>
+        <dgm:pt modelId="1"/>
+        <dgm:pt modelId="2"/>
+      </dgm:ptLst>
+      <dgm:cxnLst>
+        <dgm:cxn modelId="3" srcId="0" destId="1" srcOrd="0" destOrd="0"/>
+        <dgm:cxn modelId="4" srcId="0" destId="2" srcOrd="1" destOrd="0"/>
+      </dgm:cxnLst>
+      <dgm:bg/>
+      <dgm:whole/>
+    </dgm:dataModel>
+  </dgm:styleData>
+  <dgm:clrData>
+    <dgm:dataModel>
+      <dgm:ptLst>
+        <dgm:pt modelId="0" type="doc"/>
+        <dgm:pt modelId="1"/>
+        <dgm:pt modelId="2"/>
+        <dgm:pt modelId="3"/>
+        <dgm:pt modelId="4"/>
+      </dgm:ptLst>
+      <dgm:cxnLst>
+        <dgm:cxn modelId="5" srcId="0" destId="1" srcOrd="0" destOrd="0"/>
+        <dgm:cxn modelId="6" srcId="0" destId="2" srcOrd="1" destOrd="0"/>
+        <dgm:cxn modelId="7" srcId="0" destId="3" srcOrd="2" destOrd="0"/>
+        <dgm:cxn modelId="8" srcId="0" destId="4" srcOrd="3" destOrd="0"/>
+      </dgm:cxnLst>
+      <dgm:bg/>
+      <dgm:whole/>
+    </dgm:dataModel>
+  </dgm:clrData>
+  <dgm:layoutNode name="Name0">
+    <dgm:varLst>
+      <dgm:dir/>
+      <dgm:resizeHandles val="exact"/>
+    </dgm:varLst>
+    <dgm:choose name="Name1">
+      <dgm:if name="Name2" func="var" arg="dir" op="equ" val="norm">
+        <dgm:alg type="lin"/>
+      </dgm:if>
+      <dgm:else name="Name3">
+        <dgm:alg type="lin">
+          <dgm:param type="linDir" val="fromR"/>
+        </dgm:alg>
+      </dgm:else>
+    </dgm:choose>
+    <dgm:shape xmlns:r="http://schemas.openxmlformats.org/officeDocument/2006/relationships" r:blip="">
+      <dgm:adjLst/>
+    </dgm:shape>
+    <dgm:presOf/>
+    <dgm:choose name="Name4">
+      <dgm:if name="Name5" axis="root des" func="maxDepth" op="gte" val="2">
+        <dgm:constrLst>
+          <dgm:constr type="w" for="ch" forName="parAndChTx" refType="w"/>
+          <dgm:constr type="primFontSz" for="ch" ptType="node" op="equ"/>
+          <dgm:constr type="w" for="ch" forName="parAndChSpace" refType="w" refFor="ch" refForName="parAndChTx" fact="-0.2"/>
+          <dgm:constr type="w" for="ch" ptType="sibTrans" op="equ"/>
+        </dgm:constrLst>
+        <dgm:ruleLst/>
+        <dgm:forEach name="Name6" axis="ch" ptType="node">
+          <dgm:layoutNode name="parAndChTx">
+            <dgm:varLst>
+              <dgm:bulletEnabled val="1"/>
+            </dgm:varLst>
+            <dgm:alg type="tx"/>
+            <dgm:choose name="Name7">
+              <dgm:if name="Name8" func="var" arg="dir" op="equ" val="norm">
+                <dgm:choose name="Name9">
+                  <dgm:if name="Name10" axis="self" ptType="node" func="pos" op="equ" val="1">
+                    <dgm:shape xmlns:r="http://schemas.openxmlformats.org/officeDocument/2006/relationships" type="homePlate" r:blip="">
+                      <dgm:adjLst>
+                        <dgm:adj idx="1" val="0.25"/>
+                      </dgm:adjLst>
+                    </dgm:shape>
+                    <dgm:presOf axis="desOrSelf" ptType="node"/>
+                    <dgm:constrLst>
+                      <dgm:constr type="h" refType="w" op="equ" fact="0.8"/>
+                      <dgm:constr type="primFontSz" val="65"/>
+                      <dgm:constr type="tMarg" refType="primFontSz" fact="0.2"/>
+                      <dgm:constr type="bMarg" refType="primFontSz" fact="0.2"/>
+                      <dgm:constr type="lMarg" refType="w" fact="0.1"/>
+                      <dgm:constr type="rMarg" refType="w" fact="0.4"/>
+                    </dgm:constrLst>
+                  </dgm:if>
+                  <dgm:else name="Name11">
+                    <dgm:shape xmlns:r="http://schemas.openxmlformats.org/officeDocument/2006/relationships" type="chevron" r:blip="">
+                      <dgm:adjLst>
+                        <dgm:adj idx="1" val="0.25"/>
+                      </dgm:adjLst>
+                    </dgm:shape>
+                    <dgm:presOf axis="desOrSelf" ptType="node"/>
+                    <dgm:constrLst>
+                      <dgm:constr type="h" refType="w" op="equ" fact="0.8"/>
+                      <dgm:constr type="primFontSz" val="65"/>
+                      <dgm:constr type="tMarg" refType="primFontSz" fact="0.2"/>
+                      <dgm:constr type="bMarg" refType="primFontSz" fact="0.2"/>
+                      <dgm:constr type="lMarg" refType="w" fact="0.1"/>
+                      <dgm:constr type="rMarg" refType="w" fact="0.1"/>
+                    </dgm:constrLst>
+                  </dgm:else>
+                </dgm:choose>
+              </dgm:if>
+              <dgm:else name="Name12">
+                <dgm:choose name="Name13">
+                  <dgm:if name="Name14" axis="self" ptType="node" func="pos" op="equ" val="1">
+                    <dgm:shape xmlns:r="http://schemas.openxmlformats.org/officeDocument/2006/relationships" rot="180" type="homePlate" r:blip="">
+                      <dgm:adjLst>
+                        <dgm:adj idx="1" val="0.25"/>
+                      </dgm:adjLst>
+                    </dgm:shape>
+                    <dgm:presOf axis="desOrSelf" ptType="node"/>
+                    <dgm:constrLst>
+                      <dgm:constr type="h" refType="w" op="equ" fact="0.8"/>
+                      <dgm:constr type="primFontSz" val="65"/>
+                      <dgm:constr type="tMarg" refType="primFontSz" fact="0.2"/>
+                      <dgm:constr type="bMarg" refType="primFontSz" fact="0.2"/>
+                      <dgm:constr type="lMarg" refType="w" fact="0.4"/>
+                      <dgm:constr type="rMarg" refType="w" fact="0.1"/>
+                    </dgm:constrLst>
+                  </dgm:if>
+                  <dgm:else name="Name15">
+                    <dgm:shape xmlns:r="http://schemas.openxmlformats.org/officeDocument/2006/relationships" rot="180" type="chevron" r:blip="">
+                      <dgm:adjLst>
+                        <dgm:adj idx="1" val="0.25"/>
+                      </dgm:adjLst>
+                    </dgm:shape>
+                    <dgm:presOf axis="desOrSelf" ptType="node"/>
+                    <dgm:constrLst>
+                      <dgm:constr type="h" refType="w" op="equ" fact="0.8"/>
+                      <dgm:constr type="primFontSz" val="65"/>
+                      <dgm:constr type="tMarg" refType="primFontSz" fact="0.2"/>
+                      <dgm:constr type="bMarg" refType="primFontSz" fact="0.2"/>
+                      <dgm:constr type="lMarg" refType="w" fact="0.1"/>
+                      <dgm:constr type="rMarg" refType="w" fact="0.1"/>
+                    </dgm:constrLst>
+                  </dgm:else>
+                </dgm:choose>
+              </dgm:else>
+            </dgm:choose>
+            <dgm:ruleLst>
+              <dgm:rule type="primFontSz" val="5" fact="NaN" max="NaN"/>
+            </dgm:ruleLst>
+          </dgm:layoutNode>
+          <dgm:forEach name="Name16" axis="followSib" ptType="sibTrans" cnt="1">
+            <dgm:layoutNode name="parAndChSpace">
+              <dgm:alg type="sp"/>
+              <dgm:shape xmlns:r="http://schemas.openxmlformats.org/officeDocument/2006/relationships" r:blip="">
+                <dgm:adjLst/>
+              </dgm:shape>
+              <dgm:presOf/>
+              <dgm:constrLst/>
+              <dgm:ruleLst/>
+            </dgm:layoutNode>
+          </dgm:forEach>
+        </dgm:forEach>
+      </dgm:if>
+      <dgm:else name="Name17">
+        <dgm:constrLst>
+          <dgm:constr type="w" for="ch" forName="parTxOnly" refType="w"/>
+          <dgm:constr type="primFontSz" for="ch" ptType="node" op="equ"/>
+          <dgm:constr type="w" for="ch" forName="parSpace" refType="w" refFor="ch" refForName="parTxOnly" fact="-0.2"/>
+          <dgm:constr type="w" for="ch" ptType="sibTrans" op="equ"/>
+        </dgm:constrLst>
+        <dgm:ruleLst/>
+        <dgm:forEach name="Name18" axis="ch" ptType="node">
+          <dgm:layoutNode name="parTxOnly">
+            <dgm:varLst>
+              <dgm:bulletEnabled val="1"/>
+            </dgm:varLst>
+            <dgm:alg type="tx"/>
+            <dgm:presOf axis="desOrSelf" ptType="node"/>
+            <dgm:choose name="Name19">
+              <dgm:if name="Name20" func="var" arg="dir" op="equ" val="norm">
+                <dgm:choose name="Name21">
+                  <dgm:if name="Name22" axis="self" ptType="node" func="pos" op="equ" val="1">
+                    <dgm:shape xmlns:r="http://schemas.openxmlformats.org/officeDocument/2006/relationships" type="homePlate" r:blip="">
+                      <dgm:adjLst/>
+                    </dgm:shape>
+                    <dgm:constrLst>
+                      <dgm:constr type="h" refType="w" op="equ" fact="0.4"/>
+                      <dgm:constr type="primFontSz" val="65"/>
+                      <dgm:constr type="tMarg" refType="primFontSz" fact="0.21"/>
+                      <dgm:constr type="bMarg" refType="primFontSz" fact="0.21"/>
+                      <dgm:constr type="lMarg" refType="primFontSz" fact="0.42"/>
+                      <dgm:constr type="rMarg" refType="primFontSz" fact="0.105"/>
+                    </dgm:constrLst>
+                  </dgm:if>
+                  <dgm:else name="Name23">
+                    <dgm:shape xmlns:r="http://schemas.openxmlformats.org/officeDocument/2006/relationships" type="chevron" r:blip="">
+                      <dgm:adjLst/>
+                    </dgm:shape>
+                    <dgm:constrLst>
+                      <dgm:constr type="h" refType="w" op="equ" fact="0.4"/>
+                      <dgm:constr type="primFontSz" val="65"/>
+                      <dgm:constr type="tMarg" refType="primFontSz" fact="0.21"/>
+                      <dgm:constr type="bMarg" refType="primFontSz" fact="0.21"/>
+                      <dgm:constr type="lMarg" refType="primFontSz" fact="0.315"/>
+                      <dgm:constr type="rMarg" refType="primFontSz" fact="0.105"/>
+                    </dgm:constrLst>
+                  </dgm:else>
+                </dgm:choose>
+              </dgm:if>
+              <dgm:else name="Name24">
+                <dgm:choose name="Name25">
+                  <dgm:if name="Name26" axis="self" ptType="node" func="pos" op="equ" val="1">
+                    <dgm:shape xmlns:r="http://schemas.openxmlformats.org/officeDocument/2006/relationships" rot="180" type="homePlate" r:blip="">
+                      <dgm:adjLst/>
+                    </dgm:shape>
+                    <dgm:constrLst>
+                      <dgm:constr type="h" refType="w" op="equ" fact="0.4"/>
+                      <dgm:constr type="primFontSz" val="65"/>
+                      <dgm:constr type="tMarg" refType="primFontSz" fact="0.21"/>
+                      <dgm:constr type="bMarg" refType="primFontSz" fact="0.21"/>
+                      <dgm:constr type="lMarg" refType="primFontSz" fact="0.105"/>
+                      <dgm:constr type="rMarg" refType="primFontSz" fact="0.42"/>
+                    </dgm:constrLst>
+                  </dgm:if>
+                  <dgm:else name="Name27">
+                    <dgm:shape xmlns:r="http://schemas.openxmlformats.org/officeDocument/2006/relationships" rot="180" type="chevron" r:blip="">
+                      <dgm:adjLst/>
+                    </dgm:shape>
+                    <dgm:constrLst>
+                      <dgm:constr type="h" refType="w" op="equ" fact="0.4"/>
+                      <dgm:constr type="primFontSz" val="65"/>
+                      <dgm:constr type="tMarg" refType="primFontSz" fact="0.21"/>
+                      <dgm:constr type="bMarg" refType="primFontSz" fact="0.21"/>
+                      <dgm:constr type="lMarg" refType="primFontSz" fact="0.105"/>
+                      <dgm:constr type="rMarg" refType="primFontSz" fact="0.315"/>
+                    </dgm:constrLst>
+                  </dgm:else>
+                </dgm:choose>
+              </dgm:else>
+            </dgm:choose>
+            <dgm:ruleLst>
+              <dgm:rule type="primFontSz" val="5" fact="NaN" max="NaN"/>
+            </dgm:ruleLst>
+          </dgm:layoutNode>
+          <dgm:forEach name="Name28" axis="followSib" ptType="sibTrans" cnt="1">
+            <dgm:layoutNode name="parSpace">
+              <dgm:alg type="sp"/>
+              <dgm:shape xmlns:r="http://schemas.openxmlformats.org/officeDocument/2006/relationships" r:blip="">
+                <dgm:adjLst/>
+              </dgm:shape>
+              <dgm:presOf/>
+              <dgm:constrLst/>
+              <dgm:ruleLst/>
+            </dgm:layoutNode>
+          </dgm:forEach>
+        </dgm:forEach>
+      </dgm:else>
+    </dgm:choose>
+  </dgm:layoutNode>
+</dgm:layoutDef>
+</file>
+
 <file path=ppt/diagrams/quickStyle1.xml><?xml version="1.0" encoding="utf-8"?>
 <dgm:styleDef xmlns:dgm="http://schemas.openxmlformats.org/drawingml/2006/diagram" xmlns:a="http://schemas.openxmlformats.org/drawingml/2006/main" uniqueId="urn:microsoft.com/office/officeart/2005/8/quickstyle/simple3">
   <dgm:title val=""/>
@@ -7614,6 +8935,1040 @@
         <a:scrgbClr r="0" g="0" b="0"/>
       </a:lnRef>
       <a:fillRef idx="2">
+        <a:scrgbClr r="0" g="0" b="0"/>
+      </a:fillRef>
+      <a:effectRef idx="1">
+        <a:scrgbClr r="0" g="0" b="0"/>
+      </a:effectRef>
+      <a:fontRef idx="minor"/>
+    </dgm:style>
+  </dgm:styleLbl>
+  <dgm:styleLbl name="revTx">
+    <dgm:scene3d>
+      <a:camera prst="orthographicFront"/>
+      <a:lightRig rig="threePt" dir="t"/>
+    </dgm:scene3d>
+    <dgm:sp3d/>
+    <dgm:txPr/>
+    <dgm:style>
+      <a:lnRef idx="0">
+        <a:scrgbClr r="0" g="0" b="0"/>
+      </a:lnRef>
+      <a:fillRef idx="0">
+        <a:scrgbClr r="0" g="0" b="0"/>
+      </a:fillRef>
+      <a:effectRef idx="0">
+        <a:scrgbClr r="0" g="0" b="0"/>
+      </a:effectRef>
+      <a:fontRef idx="minor"/>
+    </dgm:style>
+  </dgm:styleLbl>
+</dgm:styleDef>
+</file>
+
+<file path=ppt/diagrams/quickStyle4.xml><?xml version="1.0" encoding="utf-8"?>
+<dgm:styleDef xmlns:dgm="http://schemas.openxmlformats.org/drawingml/2006/diagram" xmlns:a="http://schemas.openxmlformats.org/drawingml/2006/main" uniqueId="urn:microsoft.com/office/officeart/2005/8/quickstyle/simple2">
+  <dgm:title val=""/>
+  <dgm:desc val=""/>
+  <dgm:catLst>
+    <dgm:cat type="simple" pri="10200"/>
+  </dgm:catLst>
+  <dgm:scene3d>
+    <a:camera prst="orthographicFront"/>
+    <a:lightRig rig="threePt" dir="t"/>
+  </dgm:scene3d>
+  <dgm:styleLbl name="node0">
+    <dgm:scene3d>
+      <a:camera prst="orthographicFront"/>
+      <a:lightRig rig="threePt" dir="t"/>
+    </dgm:scene3d>
+    <dgm:sp3d/>
+    <dgm:txPr/>
+    <dgm:style>
+      <a:lnRef idx="3">
+        <a:scrgbClr r="0" g="0" b="0"/>
+      </a:lnRef>
+      <a:fillRef idx="1">
+        <a:scrgbClr r="0" g="0" b="0"/>
+      </a:fillRef>
+      <a:effectRef idx="1">
+        <a:scrgbClr r="0" g="0" b="0"/>
+      </a:effectRef>
+      <a:fontRef idx="minor">
+        <a:schemeClr val="lt1"/>
+      </a:fontRef>
+    </dgm:style>
+  </dgm:styleLbl>
+  <dgm:styleLbl name="lnNode1">
+    <dgm:scene3d>
+      <a:camera prst="orthographicFront"/>
+      <a:lightRig rig="threePt" dir="t"/>
+    </dgm:scene3d>
+    <dgm:sp3d/>
+    <dgm:txPr/>
+    <dgm:style>
+      <a:lnRef idx="3">
+        <a:scrgbClr r="0" g="0" b="0"/>
+      </a:lnRef>
+      <a:fillRef idx="1">
+        <a:scrgbClr r="0" g="0" b="0"/>
+      </a:fillRef>
+      <a:effectRef idx="1">
+        <a:scrgbClr r="0" g="0" b="0"/>
+      </a:effectRef>
+      <a:fontRef idx="minor">
+        <a:schemeClr val="lt1"/>
+      </a:fontRef>
+    </dgm:style>
+  </dgm:styleLbl>
+  <dgm:styleLbl name="vennNode1">
+    <dgm:scene3d>
+      <a:camera prst="orthographicFront"/>
+      <a:lightRig rig="threePt" dir="t"/>
+    </dgm:scene3d>
+    <dgm:sp3d/>
+    <dgm:txPr/>
+    <dgm:style>
+      <a:lnRef idx="3">
+        <a:scrgbClr r="0" g="0" b="0"/>
+      </a:lnRef>
+      <a:fillRef idx="1">
+        <a:scrgbClr r="0" g="0" b="0"/>
+      </a:fillRef>
+      <a:effectRef idx="0">
+        <a:scrgbClr r="0" g="0" b="0"/>
+      </a:effectRef>
+      <a:fontRef idx="minor">
+        <a:schemeClr val="tx1"/>
+      </a:fontRef>
+    </dgm:style>
+  </dgm:styleLbl>
+  <dgm:styleLbl name="alignNode1">
+    <dgm:scene3d>
+      <a:camera prst="orthographicFront"/>
+      <a:lightRig rig="threePt" dir="t"/>
+    </dgm:scene3d>
+    <dgm:sp3d/>
+    <dgm:txPr/>
+    <dgm:style>
+      <a:lnRef idx="2">
+        <a:scrgbClr r="0" g="0" b="0"/>
+      </a:lnRef>
+      <a:fillRef idx="1">
+        <a:scrgbClr r="0" g="0" b="0"/>
+      </a:fillRef>
+      <a:effectRef idx="1">
+        <a:scrgbClr r="0" g="0" b="0"/>
+      </a:effectRef>
+      <a:fontRef idx="minor">
+        <a:schemeClr val="lt1"/>
+      </a:fontRef>
+    </dgm:style>
+  </dgm:styleLbl>
+  <dgm:styleLbl name="node1">
+    <dgm:scene3d>
+      <a:camera prst="orthographicFront"/>
+      <a:lightRig rig="threePt" dir="t"/>
+    </dgm:scene3d>
+    <dgm:sp3d/>
+    <dgm:txPr/>
+    <dgm:style>
+      <a:lnRef idx="3">
+        <a:scrgbClr r="0" g="0" b="0"/>
+      </a:lnRef>
+      <a:fillRef idx="1">
+        <a:scrgbClr r="0" g="0" b="0"/>
+      </a:fillRef>
+      <a:effectRef idx="1">
+        <a:scrgbClr r="0" g="0" b="0"/>
+      </a:effectRef>
+      <a:fontRef idx="minor">
+        <a:schemeClr val="lt1"/>
+      </a:fontRef>
+    </dgm:style>
+  </dgm:styleLbl>
+  <dgm:styleLbl name="node2">
+    <dgm:scene3d>
+      <a:camera prst="orthographicFront"/>
+      <a:lightRig rig="threePt" dir="t"/>
+    </dgm:scene3d>
+    <dgm:sp3d/>
+    <dgm:txPr/>
+    <dgm:style>
+      <a:lnRef idx="3">
+        <a:scrgbClr r="0" g="0" b="0"/>
+      </a:lnRef>
+      <a:fillRef idx="1">
+        <a:scrgbClr r="0" g="0" b="0"/>
+      </a:fillRef>
+      <a:effectRef idx="1">
+        <a:scrgbClr r="0" g="0" b="0"/>
+      </a:effectRef>
+      <a:fontRef idx="minor">
+        <a:schemeClr val="lt1"/>
+      </a:fontRef>
+    </dgm:style>
+  </dgm:styleLbl>
+  <dgm:styleLbl name="node3">
+    <dgm:scene3d>
+      <a:camera prst="orthographicFront"/>
+      <a:lightRig rig="threePt" dir="t"/>
+    </dgm:scene3d>
+    <dgm:sp3d/>
+    <dgm:txPr/>
+    <dgm:style>
+      <a:lnRef idx="3">
+        <a:scrgbClr r="0" g="0" b="0"/>
+      </a:lnRef>
+      <a:fillRef idx="1">
+        <a:scrgbClr r="0" g="0" b="0"/>
+      </a:fillRef>
+      <a:effectRef idx="1">
+        <a:scrgbClr r="0" g="0" b="0"/>
+      </a:effectRef>
+      <a:fontRef idx="minor">
+        <a:schemeClr val="lt1"/>
+      </a:fontRef>
+    </dgm:style>
+  </dgm:styleLbl>
+  <dgm:styleLbl name="node4">
+    <dgm:scene3d>
+      <a:camera prst="orthographicFront"/>
+      <a:lightRig rig="threePt" dir="t"/>
+    </dgm:scene3d>
+    <dgm:sp3d/>
+    <dgm:txPr/>
+    <dgm:style>
+      <a:lnRef idx="3">
+        <a:scrgbClr r="0" g="0" b="0"/>
+      </a:lnRef>
+      <a:fillRef idx="1">
+        <a:scrgbClr r="0" g="0" b="0"/>
+      </a:fillRef>
+      <a:effectRef idx="1">
+        <a:scrgbClr r="0" g="0" b="0"/>
+      </a:effectRef>
+      <a:fontRef idx="minor">
+        <a:schemeClr val="lt1"/>
+      </a:fontRef>
+    </dgm:style>
+  </dgm:styleLbl>
+  <dgm:styleLbl name="fgImgPlace1">
+    <dgm:scene3d>
+      <a:camera prst="orthographicFront"/>
+      <a:lightRig rig="threePt" dir="t"/>
+    </dgm:scene3d>
+    <dgm:sp3d/>
+    <dgm:txPr/>
+    <dgm:style>
+      <a:lnRef idx="3">
+        <a:scrgbClr r="0" g="0" b="0"/>
+      </a:lnRef>
+      <a:fillRef idx="1">
+        <a:scrgbClr r="0" g="0" b="0"/>
+      </a:fillRef>
+      <a:effectRef idx="1">
+        <a:scrgbClr r="0" g="0" b="0"/>
+      </a:effectRef>
+      <a:fontRef idx="minor"/>
+    </dgm:style>
+  </dgm:styleLbl>
+  <dgm:styleLbl name="alignImgPlace1">
+    <dgm:scene3d>
+      <a:camera prst="orthographicFront"/>
+      <a:lightRig rig="threePt" dir="t"/>
+    </dgm:scene3d>
+    <dgm:sp3d/>
+    <dgm:txPr/>
+    <dgm:style>
+      <a:lnRef idx="3">
+        <a:scrgbClr r="0" g="0" b="0"/>
+      </a:lnRef>
+      <a:fillRef idx="1">
+        <a:scrgbClr r="0" g="0" b="0"/>
+      </a:fillRef>
+      <a:effectRef idx="1">
+        <a:scrgbClr r="0" g="0" b="0"/>
+      </a:effectRef>
+      <a:fontRef idx="minor"/>
+    </dgm:style>
+  </dgm:styleLbl>
+  <dgm:styleLbl name="bgImgPlace1">
+    <dgm:scene3d>
+      <a:camera prst="orthographicFront"/>
+      <a:lightRig rig="threePt" dir="t"/>
+    </dgm:scene3d>
+    <dgm:sp3d/>
+    <dgm:txPr/>
+    <dgm:style>
+      <a:lnRef idx="3">
+        <a:scrgbClr r="0" g="0" b="0"/>
+      </a:lnRef>
+      <a:fillRef idx="1">
+        <a:scrgbClr r="0" g="0" b="0"/>
+      </a:fillRef>
+      <a:effectRef idx="1">
+        <a:scrgbClr r="0" g="0" b="0"/>
+      </a:effectRef>
+      <a:fontRef idx="minor"/>
+    </dgm:style>
+  </dgm:styleLbl>
+  <dgm:styleLbl name="sibTrans2D1">
+    <dgm:scene3d>
+      <a:camera prst="orthographicFront"/>
+      <a:lightRig rig="threePt" dir="t"/>
+    </dgm:scene3d>
+    <dgm:sp3d/>
+    <dgm:txPr/>
+    <dgm:style>
+      <a:lnRef idx="0">
+        <a:scrgbClr r="0" g="0" b="0"/>
+      </a:lnRef>
+      <a:fillRef idx="1">
+        <a:scrgbClr r="0" g="0" b="0"/>
+      </a:fillRef>
+      <a:effectRef idx="1">
+        <a:scrgbClr r="0" g="0" b="0"/>
+      </a:effectRef>
+      <a:fontRef idx="minor">
+        <a:schemeClr val="lt1"/>
+      </a:fontRef>
+    </dgm:style>
+  </dgm:styleLbl>
+  <dgm:styleLbl name="fgSibTrans2D1">
+    <dgm:scene3d>
+      <a:camera prst="orthographicFront"/>
+      <a:lightRig rig="threePt" dir="t"/>
+    </dgm:scene3d>
+    <dgm:sp3d/>
+    <dgm:txPr/>
+    <dgm:style>
+      <a:lnRef idx="0">
+        <a:scrgbClr r="0" g="0" b="0"/>
+      </a:lnRef>
+      <a:fillRef idx="1">
+        <a:scrgbClr r="0" g="0" b="0"/>
+      </a:fillRef>
+      <a:effectRef idx="1">
+        <a:scrgbClr r="0" g="0" b="0"/>
+      </a:effectRef>
+      <a:fontRef idx="minor">
+        <a:schemeClr val="lt1"/>
+      </a:fontRef>
+    </dgm:style>
+  </dgm:styleLbl>
+  <dgm:styleLbl name="bgSibTrans2D1">
+    <dgm:scene3d>
+      <a:camera prst="orthographicFront"/>
+      <a:lightRig rig="threePt" dir="t"/>
+    </dgm:scene3d>
+    <dgm:sp3d/>
+    <dgm:txPr/>
+    <dgm:style>
+      <a:lnRef idx="0">
+        <a:scrgbClr r="0" g="0" b="0"/>
+      </a:lnRef>
+      <a:fillRef idx="1">
+        <a:scrgbClr r="0" g="0" b="0"/>
+      </a:fillRef>
+      <a:effectRef idx="1">
+        <a:scrgbClr r="0" g="0" b="0"/>
+      </a:effectRef>
+      <a:fontRef idx="minor">
+        <a:schemeClr val="lt1"/>
+      </a:fontRef>
+    </dgm:style>
+  </dgm:styleLbl>
+  <dgm:styleLbl name="sibTrans1D1">
+    <dgm:scene3d>
+      <a:camera prst="orthographicFront"/>
+      <a:lightRig rig="threePt" dir="t"/>
+    </dgm:scene3d>
+    <dgm:sp3d/>
+    <dgm:txPr/>
+    <dgm:style>
+      <a:lnRef idx="1">
+        <a:scrgbClr r="0" g="0" b="0"/>
+      </a:lnRef>
+      <a:fillRef idx="0">
+        <a:scrgbClr r="0" g="0" b="0"/>
+      </a:fillRef>
+      <a:effectRef idx="0">
+        <a:scrgbClr r="0" g="0" b="0"/>
+      </a:effectRef>
+      <a:fontRef idx="minor"/>
+    </dgm:style>
+  </dgm:styleLbl>
+  <dgm:styleLbl name="callout">
+    <dgm:scene3d>
+      <a:camera prst="orthographicFront"/>
+      <a:lightRig rig="threePt" dir="t"/>
+    </dgm:scene3d>
+    <dgm:sp3d/>
+    <dgm:txPr/>
+    <dgm:style>
+      <a:lnRef idx="2">
+        <a:scrgbClr r="0" g="0" b="0"/>
+      </a:lnRef>
+      <a:fillRef idx="1">
+        <a:scrgbClr r="0" g="0" b="0"/>
+      </a:fillRef>
+      <a:effectRef idx="1">
+        <a:scrgbClr r="0" g="0" b="0"/>
+      </a:effectRef>
+      <a:fontRef idx="minor"/>
+    </dgm:style>
+  </dgm:styleLbl>
+  <dgm:styleLbl name="asst0">
+    <dgm:scene3d>
+      <a:camera prst="orthographicFront"/>
+      <a:lightRig rig="threePt" dir="t"/>
+    </dgm:scene3d>
+    <dgm:sp3d/>
+    <dgm:txPr/>
+    <dgm:style>
+      <a:lnRef idx="3">
+        <a:scrgbClr r="0" g="0" b="0"/>
+      </a:lnRef>
+      <a:fillRef idx="1">
+        <a:scrgbClr r="0" g="0" b="0"/>
+      </a:fillRef>
+      <a:effectRef idx="1">
+        <a:scrgbClr r="0" g="0" b="0"/>
+      </a:effectRef>
+      <a:fontRef idx="minor">
+        <a:schemeClr val="lt1"/>
+      </a:fontRef>
+    </dgm:style>
+  </dgm:styleLbl>
+  <dgm:styleLbl name="asst1">
+    <dgm:scene3d>
+      <a:camera prst="orthographicFront"/>
+      <a:lightRig rig="threePt" dir="t"/>
+    </dgm:scene3d>
+    <dgm:sp3d/>
+    <dgm:txPr/>
+    <dgm:style>
+      <a:lnRef idx="3">
+        <a:scrgbClr r="0" g="0" b="0"/>
+      </a:lnRef>
+      <a:fillRef idx="1">
+        <a:scrgbClr r="0" g="0" b="0"/>
+      </a:fillRef>
+      <a:effectRef idx="1">
+        <a:scrgbClr r="0" g="0" b="0"/>
+      </a:effectRef>
+      <a:fontRef idx="minor">
+        <a:schemeClr val="lt1"/>
+      </a:fontRef>
+    </dgm:style>
+  </dgm:styleLbl>
+  <dgm:styleLbl name="asst2">
+    <dgm:scene3d>
+      <a:camera prst="orthographicFront"/>
+      <a:lightRig rig="threePt" dir="t"/>
+    </dgm:scene3d>
+    <dgm:sp3d/>
+    <dgm:txPr/>
+    <dgm:style>
+      <a:lnRef idx="3">
+        <a:scrgbClr r="0" g="0" b="0"/>
+      </a:lnRef>
+      <a:fillRef idx="1">
+        <a:scrgbClr r="0" g="0" b="0"/>
+      </a:fillRef>
+      <a:effectRef idx="1">
+        <a:scrgbClr r="0" g="0" b="0"/>
+      </a:effectRef>
+      <a:fontRef idx="minor">
+        <a:schemeClr val="lt1"/>
+      </a:fontRef>
+    </dgm:style>
+  </dgm:styleLbl>
+  <dgm:styleLbl name="asst3">
+    <dgm:scene3d>
+      <a:camera prst="orthographicFront"/>
+      <a:lightRig rig="threePt" dir="t"/>
+    </dgm:scene3d>
+    <dgm:sp3d/>
+    <dgm:txPr/>
+    <dgm:style>
+      <a:lnRef idx="3">
+        <a:scrgbClr r="0" g="0" b="0"/>
+      </a:lnRef>
+      <a:fillRef idx="1">
+        <a:scrgbClr r="0" g="0" b="0"/>
+      </a:fillRef>
+      <a:effectRef idx="1">
+        <a:scrgbClr r="0" g="0" b="0"/>
+      </a:effectRef>
+      <a:fontRef idx="minor">
+        <a:schemeClr val="lt1"/>
+      </a:fontRef>
+    </dgm:style>
+  </dgm:styleLbl>
+  <dgm:styleLbl name="asst4">
+    <dgm:scene3d>
+      <a:camera prst="orthographicFront"/>
+      <a:lightRig rig="threePt" dir="t"/>
+    </dgm:scene3d>
+    <dgm:sp3d/>
+    <dgm:txPr/>
+    <dgm:style>
+      <a:lnRef idx="3">
+        <a:scrgbClr r="0" g="0" b="0"/>
+      </a:lnRef>
+      <a:fillRef idx="1">
+        <a:scrgbClr r="0" g="0" b="0"/>
+      </a:fillRef>
+      <a:effectRef idx="1">
+        <a:scrgbClr r="0" g="0" b="0"/>
+      </a:effectRef>
+      <a:fontRef idx="minor">
+        <a:schemeClr val="lt1"/>
+      </a:fontRef>
+    </dgm:style>
+  </dgm:styleLbl>
+  <dgm:styleLbl name="parChTrans2D1">
+    <dgm:scene3d>
+      <a:camera prst="orthographicFront"/>
+      <a:lightRig rig="threePt" dir="t"/>
+    </dgm:scene3d>
+    <dgm:sp3d/>
+    <dgm:txPr/>
+    <dgm:style>
+      <a:lnRef idx="3">
+        <a:scrgbClr r="0" g="0" b="0"/>
+      </a:lnRef>
+      <a:fillRef idx="1">
+        <a:scrgbClr r="0" g="0" b="0"/>
+      </a:fillRef>
+      <a:effectRef idx="1">
+        <a:scrgbClr r="0" g="0" b="0"/>
+      </a:effectRef>
+      <a:fontRef idx="minor">
+        <a:schemeClr val="lt1"/>
+      </a:fontRef>
+    </dgm:style>
+  </dgm:styleLbl>
+  <dgm:styleLbl name="parChTrans2D2">
+    <dgm:scene3d>
+      <a:camera prst="orthographicFront"/>
+      <a:lightRig rig="threePt" dir="t"/>
+    </dgm:scene3d>
+    <dgm:sp3d/>
+    <dgm:txPr/>
+    <dgm:style>
+      <a:lnRef idx="3">
+        <a:scrgbClr r="0" g="0" b="0"/>
+      </a:lnRef>
+      <a:fillRef idx="1">
+        <a:scrgbClr r="0" g="0" b="0"/>
+      </a:fillRef>
+      <a:effectRef idx="1">
+        <a:scrgbClr r="0" g="0" b="0"/>
+      </a:effectRef>
+      <a:fontRef idx="minor">
+        <a:schemeClr val="lt1"/>
+      </a:fontRef>
+    </dgm:style>
+  </dgm:styleLbl>
+  <dgm:styleLbl name="parChTrans2D3">
+    <dgm:scene3d>
+      <a:camera prst="orthographicFront"/>
+      <a:lightRig rig="threePt" dir="t"/>
+    </dgm:scene3d>
+    <dgm:sp3d/>
+    <dgm:txPr/>
+    <dgm:style>
+      <a:lnRef idx="3">
+        <a:scrgbClr r="0" g="0" b="0"/>
+      </a:lnRef>
+      <a:fillRef idx="1">
+        <a:scrgbClr r="0" g="0" b="0"/>
+      </a:fillRef>
+      <a:effectRef idx="1">
+        <a:scrgbClr r="0" g="0" b="0"/>
+      </a:effectRef>
+      <a:fontRef idx="minor">
+        <a:schemeClr val="lt1"/>
+      </a:fontRef>
+    </dgm:style>
+  </dgm:styleLbl>
+  <dgm:styleLbl name="parChTrans2D4">
+    <dgm:scene3d>
+      <a:camera prst="orthographicFront"/>
+      <a:lightRig rig="threePt" dir="t"/>
+    </dgm:scene3d>
+    <dgm:sp3d/>
+    <dgm:txPr/>
+    <dgm:style>
+      <a:lnRef idx="3">
+        <a:scrgbClr r="0" g="0" b="0"/>
+      </a:lnRef>
+      <a:fillRef idx="1">
+        <a:scrgbClr r="0" g="0" b="0"/>
+      </a:fillRef>
+      <a:effectRef idx="1">
+        <a:scrgbClr r="0" g="0" b="0"/>
+      </a:effectRef>
+      <a:fontRef idx="minor">
+        <a:schemeClr val="lt1"/>
+      </a:fontRef>
+    </dgm:style>
+  </dgm:styleLbl>
+  <dgm:styleLbl name="parChTrans1D1">
+    <dgm:scene3d>
+      <a:camera prst="orthographicFront"/>
+      <a:lightRig rig="threePt" dir="t"/>
+    </dgm:scene3d>
+    <dgm:sp3d/>
+    <dgm:txPr/>
+    <dgm:style>
+      <a:lnRef idx="2">
+        <a:scrgbClr r="0" g="0" b="0"/>
+      </a:lnRef>
+      <a:fillRef idx="0">
+        <a:scrgbClr r="0" g="0" b="0"/>
+      </a:fillRef>
+      <a:effectRef idx="0">
+        <a:scrgbClr r="0" g="0" b="0"/>
+      </a:effectRef>
+      <a:fontRef idx="minor"/>
+    </dgm:style>
+  </dgm:styleLbl>
+  <dgm:styleLbl name="parChTrans1D2">
+    <dgm:scene3d>
+      <a:camera prst="orthographicFront"/>
+      <a:lightRig rig="threePt" dir="t"/>
+    </dgm:scene3d>
+    <dgm:sp3d/>
+    <dgm:txPr/>
+    <dgm:style>
+      <a:lnRef idx="2">
+        <a:scrgbClr r="0" g="0" b="0"/>
+      </a:lnRef>
+      <a:fillRef idx="0">
+        <a:scrgbClr r="0" g="0" b="0"/>
+      </a:fillRef>
+      <a:effectRef idx="0">
+        <a:scrgbClr r="0" g="0" b="0"/>
+      </a:effectRef>
+      <a:fontRef idx="minor"/>
+    </dgm:style>
+  </dgm:styleLbl>
+  <dgm:styleLbl name="parChTrans1D3">
+    <dgm:scene3d>
+      <a:camera prst="orthographicFront"/>
+      <a:lightRig rig="threePt" dir="t"/>
+    </dgm:scene3d>
+    <dgm:sp3d/>
+    <dgm:txPr/>
+    <dgm:style>
+      <a:lnRef idx="2">
+        <a:scrgbClr r="0" g="0" b="0"/>
+      </a:lnRef>
+      <a:fillRef idx="0">
+        <a:scrgbClr r="0" g="0" b="0"/>
+      </a:fillRef>
+      <a:effectRef idx="0">
+        <a:scrgbClr r="0" g="0" b="0"/>
+      </a:effectRef>
+      <a:fontRef idx="minor"/>
+    </dgm:style>
+  </dgm:styleLbl>
+  <dgm:styleLbl name="parChTrans1D4">
+    <dgm:scene3d>
+      <a:camera prst="orthographicFront"/>
+      <a:lightRig rig="threePt" dir="t"/>
+    </dgm:scene3d>
+    <dgm:sp3d/>
+    <dgm:txPr/>
+    <dgm:style>
+      <a:lnRef idx="2">
+        <a:scrgbClr r="0" g="0" b="0"/>
+      </a:lnRef>
+      <a:fillRef idx="0">
+        <a:scrgbClr r="0" g="0" b="0"/>
+      </a:fillRef>
+      <a:effectRef idx="0">
+        <a:scrgbClr r="0" g="0" b="0"/>
+      </a:effectRef>
+      <a:fontRef idx="minor"/>
+    </dgm:style>
+  </dgm:styleLbl>
+  <dgm:styleLbl name="fgAcc1">
+    <dgm:scene3d>
+      <a:camera prst="orthographicFront"/>
+      <a:lightRig rig="threePt" dir="t"/>
+    </dgm:scene3d>
+    <dgm:sp3d/>
+    <dgm:txPr/>
+    <dgm:style>
+      <a:lnRef idx="2">
+        <a:scrgbClr r="0" g="0" b="0"/>
+      </a:lnRef>
+      <a:fillRef idx="1">
+        <a:scrgbClr r="0" g="0" b="0"/>
+      </a:fillRef>
+      <a:effectRef idx="0">
+        <a:scrgbClr r="0" g="0" b="0"/>
+      </a:effectRef>
+      <a:fontRef idx="minor"/>
+    </dgm:style>
+  </dgm:styleLbl>
+  <dgm:styleLbl name="conFgAcc1">
+    <dgm:scene3d>
+      <a:camera prst="orthographicFront"/>
+      <a:lightRig rig="threePt" dir="t"/>
+    </dgm:scene3d>
+    <dgm:sp3d/>
+    <dgm:txPr/>
+    <dgm:style>
+      <a:lnRef idx="2">
+        <a:scrgbClr r="0" g="0" b="0"/>
+      </a:lnRef>
+      <a:fillRef idx="1">
+        <a:scrgbClr r="0" g="0" b="0"/>
+      </a:fillRef>
+      <a:effectRef idx="0">
+        <a:scrgbClr r="0" g="0" b="0"/>
+      </a:effectRef>
+      <a:fontRef idx="minor"/>
+    </dgm:style>
+  </dgm:styleLbl>
+  <dgm:styleLbl name="alignAcc1">
+    <dgm:scene3d>
+      <a:camera prst="orthographicFront"/>
+      <a:lightRig rig="threePt" dir="t"/>
+    </dgm:scene3d>
+    <dgm:sp3d/>
+    <dgm:txPr/>
+    <dgm:style>
+      <a:lnRef idx="2">
+        <a:scrgbClr r="0" g="0" b="0"/>
+      </a:lnRef>
+      <a:fillRef idx="1">
+        <a:scrgbClr r="0" g="0" b="0"/>
+      </a:fillRef>
+      <a:effectRef idx="0">
+        <a:scrgbClr r="0" g="0" b="0"/>
+      </a:effectRef>
+      <a:fontRef idx="minor"/>
+    </dgm:style>
+  </dgm:styleLbl>
+  <dgm:styleLbl name="trAlignAcc1">
+    <dgm:scene3d>
+      <a:camera prst="orthographicFront"/>
+      <a:lightRig rig="threePt" dir="t"/>
+    </dgm:scene3d>
+    <dgm:sp3d/>
+    <dgm:txPr/>
+    <dgm:style>
+      <a:lnRef idx="1">
+        <a:scrgbClr r="0" g="0" b="0"/>
+      </a:lnRef>
+      <a:fillRef idx="1">
+        <a:scrgbClr r="0" g="0" b="0"/>
+      </a:fillRef>
+      <a:effectRef idx="0">
+        <a:scrgbClr r="0" g="0" b="0"/>
+      </a:effectRef>
+      <a:fontRef idx="minor"/>
+    </dgm:style>
+  </dgm:styleLbl>
+  <dgm:styleLbl name="bgAcc1">
+    <dgm:scene3d>
+      <a:camera prst="orthographicFront"/>
+      <a:lightRig rig="threePt" dir="t"/>
+    </dgm:scene3d>
+    <dgm:sp3d/>
+    <dgm:txPr/>
+    <dgm:style>
+      <a:lnRef idx="2">
+        <a:scrgbClr r="0" g="0" b="0"/>
+      </a:lnRef>
+      <a:fillRef idx="1">
+        <a:scrgbClr r="0" g="0" b="0"/>
+      </a:fillRef>
+      <a:effectRef idx="0">
+        <a:scrgbClr r="0" g="0" b="0"/>
+      </a:effectRef>
+      <a:fontRef idx="minor"/>
+    </dgm:style>
+  </dgm:styleLbl>
+  <dgm:styleLbl name="solidFgAcc1">
+    <dgm:scene3d>
+      <a:camera prst="orthographicFront"/>
+      <a:lightRig rig="threePt" dir="t"/>
+    </dgm:scene3d>
+    <dgm:sp3d/>
+    <dgm:txPr/>
+    <dgm:style>
+      <a:lnRef idx="2">
+        <a:scrgbClr r="0" g="0" b="0"/>
+      </a:lnRef>
+      <a:fillRef idx="1">
+        <a:scrgbClr r="0" g="0" b="0"/>
+      </a:fillRef>
+      <a:effectRef idx="0">
+        <a:scrgbClr r="0" g="0" b="0"/>
+      </a:effectRef>
+      <a:fontRef idx="minor"/>
+    </dgm:style>
+  </dgm:styleLbl>
+  <dgm:styleLbl name="solidAlignAcc1">
+    <dgm:scene3d>
+      <a:camera prst="orthographicFront"/>
+      <a:lightRig rig="threePt" dir="t"/>
+    </dgm:scene3d>
+    <dgm:sp3d/>
+    <dgm:txPr/>
+    <dgm:style>
+      <a:lnRef idx="2">
+        <a:scrgbClr r="0" g="0" b="0"/>
+      </a:lnRef>
+      <a:fillRef idx="1">
+        <a:scrgbClr r="0" g="0" b="0"/>
+      </a:fillRef>
+      <a:effectRef idx="0">
+        <a:scrgbClr r="0" g="0" b="0"/>
+      </a:effectRef>
+      <a:fontRef idx="minor"/>
+    </dgm:style>
+  </dgm:styleLbl>
+  <dgm:styleLbl name="solidBgAcc1">
+    <dgm:scene3d>
+      <a:camera prst="orthographicFront"/>
+      <a:lightRig rig="threePt" dir="t"/>
+    </dgm:scene3d>
+    <dgm:sp3d/>
+    <dgm:txPr/>
+    <dgm:style>
+      <a:lnRef idx="2">
+        <a:scrgbClr r="0" g="0" b="0"/>
+      </a:lnRef>
+      <a:fillRef idx="1">
+        <a:scrgbClr r="0" g="0" b="0"/>
+      </a:fillRef>
+      <a:effectRef idx="0">
+        <a:scrgbClr r="0" g="0" b="0"/>
+      </a:effectRef>
+      <a:fontRef idx="minor"/>
+    </dgm:style>
+  </dgm:styleLbl>
+  <dgm:styleLbl name="fgAccFollowNode1">
+    <dgm:scene3d>
+      <a:camera prst="orthographicFront"/>
+      <a:lightRig rig="threePt" dir="t"/>
+    </dgm:scene3d>
+    <dgm:sp3d/>
+    <dgm:txPr/>
+    <dgm:style>
+      <a:lnRef idx="2">
+        <a:scrgbClr r="0" g="0" b="0"/>
+      </a:lnRef>
+      <a:fillRef idx="1">
+        <a:scrgbClr r="0" g="0" b="0"/>
+      </a:fillRef>
+      <a:effectRef idx="0">
+        <a:scrgbClr r="0" g="0" b="0"/>
+      </a:effectRef>
+      <a:fontRef idx="minor"/>
+    </dgm:style>
+  </dgm:styleLbl>
+  <dgm:styleLbl name="alignAccFollowNode1">
+    <dgm:scene3d>
+      <a:camera prst="orthographicFront"/>
+      <a:lightRig rig="threePt" dir="t"/>
+    </dgm:scene3d>
+    <dgm:sp3d/>
+    <dgm:txPr/>
+    <dgm:style>
+      <a:lnRef idx="2">
+        <a:scrgbClr r="0" g="0" b="0"/>
+      </a:lnRef>
+      <a:fillRef idx="1">
+        <a:scrgbClr r="0" g="0" b="0"/>
+      </a:fillRef>
+      <a:effectRef idx="0">
+        <a:scrgbClr r="0" g="0" b="0"/>
+      </a:effectRef>
+      <a:fontRef idx="minor"/>
+    </dgm:style>
+  </dgm:styleLbl>
+  <dgm:styleLbl name="bgAccFollowNode1">
+    <dgm:scene3d>
+      <a:camera prst="orthographicFront"/>
+      <a:lightRig rig="threePt" dir="t"/>
+    </dgm:scene3d>
+    <dgm:sp3d/>
+    <dgm:txPr/>
+    <dgm:style>
+      <a:lnRef idx="2">
+        <a:scrgbClr r="0" g="0" b="0"/>
+      </a:lnRef>
+      <a:fillRef idx="1">
+        <a:scrgbClr r="0" g="0" b="0"/>
+      </a:fillRef>
+      <a:effectRef idx="0">
+        <a:scrgbClr r="0" g="0" b="0"/>
+      </a:effectRef>
+      <a:fontRef idx="minor"/>
+    </dgm:style>
+  </dgm:styleLbl>
+  <dgm:styleLbl name="fgAcc0">
+    <dgm:scene3d>
+      <a:camera prst="orthographicFront"/>
+      <a:lightRig rig="threePt" dir="t"/>
+    </dgm:scene3d>
+    <dgm:sp3d/>
+    <dgm:txPr/>
+    <dgm:style>
+      <a:lnRef idx="2">
+        <a:scrgbClr r="0" g="0" b="0"/>
+      </a:lnRef>
+      <a:fillRef idx="1">
+        <a:scrgbClr r="0" g="0" b="0"/>
+      </a:fillRef>
+      <a:effectRef idx="0">
+        <a:scrgbClr r="0" g="0" b="0"/>
+      </a:effectRef>
+      <a:fontRef idx="minor"/>
+    </dgm:style>
+  </dgm:styleLbl>
+  <dgm:styleLbl name="fgAcc2">
+    <dgm:scene3d>
+      <a:camera prst="orthographicFront"/>
+      <a:lightRig rig="threePt" dir="t"/>
+    </dgm:scene3d>
+    <dgm:sp3d/>
+    <dgm:txPr/>
+    <dgm:style>
+      <a:lnRef idx="2">
+        <a:scrgbClr r="0" g="0" b="0"/>
+      </a:lnRef>
+      <a:fillRef idx="1">
+        <a:scrgbClr r="0" g="0" b="0"/>
+      </a:fillRef>
+      <a:effectRef idx="0">
+        <a:scrgbClr r="0" g="0" b="0"/>
+      </a:effectRef>
+      <a:fontRef idx="minor"/>
+    </dgm:style>
+  </dgm:styleLbl>
+  <dgm:styleLbl name="fgAcc3">
+    <dgm:scene3d>
+      <a:camera prst="orthographicFront"/>
+      <a:lightRig rig="threePt" dir="t"/>
+    </dgm:scene3d>
+    <dgm:sp3d/>
+    <dgm:txPr/>
+    <dgm:style>
+      <a:lnRef idx="2">
+        <a:scrgbClr r="0" g="0" b="0"/>
+      </a:lnRef>
+      <a:fillRef idx="1">
+        <a:scrgbClr r="0" g="0" b="0"/>
+      </a:fillRef>
+      <a:effectRef idx="0">
+        <a:scrgbClr r="0" g="0" b="0"/>
+      </a:effectRef>
+      <a:fontRef idx="minor"/>
+    </dgm:style>
+  </dgm:styleLbl>
+  <dgm:styleLbl name="fgAcc4">
+    <dgm:scene3d>
+      <a:camera prst="orthographicFront"/>
+      <a:lightRig rig="threePt" dir="t"/>
+    </dgm:scene3d>
+    <dgm:sp3d/>
+    <dgm:txPr/>
+    <dgm:style>
+      <a:lnRef idx="2">
+        <a:scrgbClr r="0" g="0" b="0"/>
+      </a:lnRef>
+      <a:fillRef idx="1">
+        <a:scrgbClr r="0" g="0" b="0"/>
+      </a:fillRef>
+      <a:effectRef idx="0">
+        <a:scrgbClr r="0" g="0" b="0"/>
+      </a:effectRef>
+      <a:fontRef idx="minor"/>
+    </dgm:style>
+  </dgm:styleLbl>
+  <dgm:styleLbl name="bgShp">
+    <dgm:scene3d>
+      <a:camera prst="orthographicFront"/>
+      <a:lightRig rig="threePt" dir="t"/>
+    </dgm:scene3d>
+    <dgm:sp3d/>
+    <dgm:txPr/>
+    <dgm:style>
+      <a:lnRef idx="0">
+        <a:scrgbClr r="0" g="0" b="0"/>
+      </a:lnRef>
+      <a:fillRef idx="1">
+        <a:scrgbClr r="0" g="0" b="0"/>
+      </a:fillRef>
+      <a:effectRef idx="0">
+        <a:scrgbClr r="0" g="0" b="0"/>
+      </a:effectRef>
+      <a:fontRef idx="minor"/>
+    </dgm:style>
+  </dgm:styleLbl>
+  <dgm:styleLbl name="dkBgShp">
+    <dgm:scene3d>
+      <a:camera prst="orthographicFront"/>
+      <a:lightRig rig="threePt" dir="t"/>
+    </dgm:scene3d>
+    <dgm:sp3d/>
+    <dgm:txPr/>
+    <dgm:style>
+      <a:lnRef idx="0">
+        <a:scrgbClr r="0" g="0" b="0"/>
+      </a:lnRef>
+      <a:fillRef idx="1">
+        <a:scrgbClr r="0" g="0" b="0"/>
+      </a:fillRef>
+      <a:effectRef idx="0">
+        <a:scrgbClr r="0" g="0" b="0"/>
+      </a:effectRef>
+      <a:fontRef idx="minor"/>
+    </dgm:style>
+  </dgm:styleLbl>
+  <dgm:styleLbl name="trBgShp">
+    <dgm:scene3d>
+      <a:camera prst="orthographicFront"/>
+      <a:lightRig rig="threePt" dir="t"/>
+    </dgm:scene3d>
+    <dgm:sp3d/>
+    <dgm:txPr/>
+    <dgm:style>
+      <a:lnRef idx="0">
+        <a:scrgbClr r="0" g="0" b="0"/>
+      </a:lnRef>
+      <a:fillRef idx="1">
+        <a:scrgbClr r="0" g="0" b="0"/>
+      </a:fillRef>
+      <a:effectRef idx="0">
+        <a:scrgbClr r="0" g="0" b="0"/>
+      </a:effectRef>
+      <a:fontRef idx="minor"/>
+    </dgm:style>
+  </dgm:styleLbl>
+  <dgm:styleLbl name="fgShp">
+    <dgm:scene3d>
+      <a:camera prst="orthographicFront"/>
+      <a:lightRig rig="threePt" dir="t"/>
+    </dgm:scene3d>
+    <dgm:sp3d/>
+    <dgm:txPr/>
+    <dgm:style>
+      <a:lnRef idx="3">
+        <a:scrgbClr r="0" g="0" b="0"/>
+      </a:lnRef>
+      <a:fillRef idx="1">
         <a:scrgbClr r="0" g="0" b="0"/>
       </a:fillRef>
       <a:effectRef idx="1">
@@ -10943,6 +13298,34 @@
           </a:graphicData>
         </a:graphic>
       </p:graphicFrame>
+      <p:graphicFrame>
+        <p:nvGraphicFramePr>
+          <p:cNvPr id="7" name="Diagram 6">
+            <a:extLst>
+              <a:ext uri="{FF2B5EF4-FFF2-40B4-BE49-F238E27FC236}">
+                <a16:creationId xmlns:a16="http://schemas.microsoft.com/office/drawing/2014/main" id="{BEDDB80C-9B3A-3B48-B6AF-660EBD72EDCA}"/>
+              </a:ext>
+            </a:extLst>
+          </p:cNvPr>
+          <p:cNvGraphicFramePr/>
+          <p:nvPr>
+            <p:extLst>
+              <p:ext uri="{D42A27DB-BD31-4B8C-83A1-F6EECF244321}">
+                <p14:modId xmlns:p14="http://schemas.microsoft.com/office/powerpoint/2010/main" val="2739893300"/>
+              </p:ext>
+            </p:extLst>
+          </p:nvPr>
+        </p:nvGraphicFramePr>
+        <p:xfrm>
+          <a:off x="1141818" y="5161124"/>
+          <a:ext cx="9908363" cy="1055971"/>
+        </p:xfrm>
+        <a:graphic>
+          <a:graphicData uri="http://schemas.openxmlformats.org/drawingml/2006/diagram">
+            <dgm:relIds xmlns:dgm="http://schemas.openxmlformats.org/drawingml/2006/diagram" xmlns:r="http://schemas.openxmlformats.org/officeDocument/2006/relationships" r:dm="rId17" r:lo="rId18" r:qs="rId19" r:cs="rId20"/>
+          </a:graphicData>
+        </a:graphic>
+      </p:graphicFrame>
     </p:spTree>
     <p:extLst>
       <p:ext uri="{BB962C8B-B14F-4D97-AF65-F5344CB8AC3E}">
